--- a/COVID-19 TRACKER.pptx
+++ b/COVID-19 TRACKER.pptx
@@ -7,6 +7,9 @@
   <p:sldIdLst>
     <p:sldId id="256" r:id="rId2"/>
     <p:sldId id="257" r:id="rId3"/>
+    <p:sldId id="258" r:id="rId4"/>
+    <p:sldId id="259" r:id="rId5"/>
+    <p:sldId id="261" r:id="rId6"/>
   </p:sldIdLst>
   <p:sldSz cx="12192000" cy="6858000"/>
   <p:notesSz cx="6858000" cy="9144000"/>
@@ -105,6 +108,11 @@
       </a:defRPr>
     </a:lvl9pPr>
   </p:defaultTextStyle>
+  <p:extLst>
+    <p:ext uri="{EFAFB233-063F-42B5-8137-9DF3F51BA10A}">
+      <p15:sldGuideLst xmlns:p15="http://schemas.microsoft.com/office/powerpoint/2012/main"/>
+    </p:ext>
+  </p:extLst>
 </p:presentation>
 </file>
 
@@ -5837,8 +5845,8 @@
         </p:nvSpPr>
         <p:spPr>
           <a:xfrm>
-            <a:off x="1455635" y="1786070"/>
-            <a:ext cx="9144000" cy="1031683"/>
+            <a:off x="1096711" y="846034"/>
+            <a:ext cx="9144000" cy="2245185"/>
           </a:xfrm>
         </p:spPr>
         <p:txBody>
@@ -5847,15 +5855,49 @@
           <a:p>
             <a:pPr algn="ctr"/>
             <a:r>
-              <a:rPr lang="en-US" smtClean="0">
+              <a:rPr lang="en-US" sz="4000" smtClean="0">
                 <a:solidFill>
                   <a:srgbClr val="FF0000"/>
                 </a:solidFill>
                 <a:latin typeface=".VnArialH" panose="020B7200000000000000" pitchFamily="34" charset="0"/>
               </a:rPr>
-              <a:t>COVID-19 TRACKER</a:t>
-            </a:r>
-            <a:endParaRPr lang="en-US">
+              <a:t>DEMO</a:t>
+            </a:r>
+            <a:br>
+              <a:rPr lang="en-US" sz="4000" smtClean="0">
+                <a:solidFill>
+                  <a:srgbClr val="FF0000"/>
+                </a:solidFill>
+                <a:latin typeface=".VnArialH" panose="020B7200000000000000" pitchFamily="34" charset="0"/>
+              </a:rPr>
+            </a:br>
+            <a:r>
+              <a:rPr lang="en-US" sz="4000" smtClean="0">
+                <a:solidFill>
+                  <a:srgbClr val="FF0000"/>
+                </a:solidFill>
+                <a:latin typeface=".VnArialH" panose="020B7200000000000000" pitchFamily="34" charset="0"/>
+              </a:rPr>
+              <a:t>FINAL PROJECT </a:t>
+            </a:r>
+            <a:br>
+              <a:rPr lang="en-US" sz="4000" smtClean="0">
+                <a:solidFill>
+                  <a:srgbClr val="FF0000"/>
+                </a:solidFill>
+                <a:latin typeface=".VnArialH" panose="020B7200000000000000" pitchFamily="34" charset="0"/>
+              </a:rPr>
+            </a:br>
+            <a:r>
+              <a:rPr lang="en-US" sz="4000" smtClean="0">
+                <a:solidFill>
+                  <a:srgbClr val="FF0000"/>
+                </a:solidFill>
+                <a:latin typeface=".VnArialH" panose="020B7200000000000000" pitchFamily="34" charset="0"/>
+              </a:rPr>
+              <a:t>CODE INTENSIVE</a:t>
+            </a:r>
+            <a:endParaRPr lang="en-US" sz="4000">
               <a:solidFill>
                 <a:srgbClr val="FF0000"/>
               </a:solidFill>
@@ -5872,7 +5914,7 @@
         </p:nvSpPr>
         <p:spPr>
           <a:xfrm>
-            <a:off x="8802168" y="4885081"/>
+            <a:off x="0" y="4980563"/>
             <a:ext cx="3389832" cy="1877437"/>
           </a:xfrm>
           <a:prstGeom prst="rect">
@@ -6026,8 +6068,8 @@
         </p:nvSpPr>
         <p:spPr>
           <a:xfrm>
-            <a:off x="0" y="1196412"/>
-            <a:ext cx="9682385" cy="2031325"/>
+            <a:off x="0" y="1324599"/>
+            <a:ext cx="9682385" cy="2862322"/>
           </a:xfrm>
           <a:prstGeom prst="rect">
             <a:avLst/>
@@ -6100,7 +6142,44 @@
                 <a:latin typeface="Times New Roman" panose="02020603050405020304" pitchFamily="18" charset="0"/>
                 <a:cs typeface="Times New Roman" panose="02020603050405020304" pitchFamily="18" charset="0"/>
               </a:rPr>
-              <a:t>Vấn đề đang được quan tâm hang đầu hiện nay</a:t>
+              <a:t>Vấn đề đang được quan tâm </a:t>
+            </a:r>
+            <a:r>
+              <a:rPr lang="en-US" smtClean="0">
+                <a:latin typeface="Times New Roman" panose="02020603050405020304" pitchFamily="18" charset="0"/>
+                <a:cs typeface="Times New Roman" panose="02020603050405020304" pitchFamily="18" charset="0"/>
+              </a:rPr>
+              <a:t>hàng </a:t>
+            </a:r>
+            <a:r>
+              <a:rPr lang="en-US" smtClean="0">
+                <a:latin typeface="Times New Roman" panose="02020603050405020304" pitchFamily="18" charset="0"/>
+                <a:cs typeface="Times New Roman" panose="02020603050405020304" pitchFamily="18" charset="0"/>
+              </a:rPr>
+              <a:t>đầu hiện </a:t>
+            </a:r>
+            <a:r>
+              <a:rPr lang="en-US" smtClean="0">
+                <a:latin typeface="Times New Roman" panose="02020603050405020304" pitchFamily="18" charset="0"/>
+                <a:cs typeface="Times New Roman" panose="02020603050405020304" pitchFamily="18" charset="0"/>
+              </a:rPr>
+              <a:t>nay</a:t>
+            </a:r>
+          </a:p>
+          <a:p>
+            <a:pPr lvl="1"/>
+            <a:endParaRPr lang="en-US">
+              <a:latin typeface="Times New Roman" panose="02020603050405020304" pitchFamily="18" charset="0"/>
+              <a:cs typeface="Times New Roman" panose="02020603050405020304" pitchFamily="18" charset="0"/>
+            </a:endParaRPr>
+          </a:p>
+          <a:p>
+            <a:r>
+              <a:rPr lang="en-US" b="1" smtClean="0">
+                <a:latin typeface="Times New Roman" panose="02020603050405020304" pitchFamily="18" charset="0"/>
+                <a:cs typeface="Times New Roman" panose="02020603050405020304" pitchFamily="18" charset="0"/>
+              </a:rPr>
+              <a:t>3.Mục đích</a:t>
             </a:r>
           </a:p>
           <a:p>
@@ -6108,6 +6187,26 @@
               <a:buFontTx/>
               <a:buChar char="-"/>
             </a:pPr>
+            <a:r>
+              <a:rPr lang="en-US" smtClean="0">
+                <a:latin typeface="Times New Roman" panose="02020603050405020304" pitchFamily="18" charset="0"/>
+                <a:cs typeface="Times New Roman" panose="02020603050405020304" pitchFamily="18" charset="0"/>
+              </a:rPr>
+              <a:t>Một trang web mọi người có thể truy cập miễn phí </a:t>
+            </a:r>
+          </a:p>
+          <a:p>
+            <a:pPr marL="742950" lvl="1" indent="-285750">
+              <a:buFontTx/>
+              <a:buChar char="-"/>
+            </a:pPr>
+            <a:r>
+              <a:rPr lang="en-US" smtClean="0">
+                <a:latin typeface="Times New Roman" panose="02020603050405020304" pitchFamily="18" charset="0"/>
+                <a:cs typeface="Times New Roman" panose="02020603050405020304" pitchFamily="18" charset="0"/>
+              </a:rPr>
+              <a:t>Dễ dàng tra cứu tình hình covid-19 tổng quan trên thế giới và trong nước</a:t>
+            </a:r>
             <a:endParaRPr lang="en-US" smtClean="0">
               <a:latin typeface="Times New Roman" panose="02020603050405020304" pitchFamily="18" charset="0"/>
               <a:cs typeface="Times New Roman" panose="02020603050405020304" pitchFamily="18" charset="0"/>
@@ -6119,6 +6218,2257 @@
     <p:extLst>
       <p:ext uri="{BB962C8B-B14F-4D97-AF65-F5344CB8AC3E}">
         <p14:creationId xmlns:p14="http://schemas.microsoft.com/office/powerpoint/2010/main" val="1040460309"/>
+      </p:ext>
+    </p:extLst>
+  </p:cSld>
+  <p:clrMapOvr>
+    <a:masterClrMapping/>
+  </p:clrMapOvr>
+</p:sld>
+</file>
+
+<file path=ppt/slides/slide3.xml><?xml version="1.0" encoding="utf-8"?>
+<p:sld xmlns:a="http://schemas.openxmlformats.org/drawingml/2006/main" xmlns:r="http://schemas.openxmlformats.org/officeDocument/2006/relationships" xmlns:p="http://schemas.openxmlformats.org/presentationml/2006/main">
+  <p:cSld>
+    <p:spTree>
+      <p:nvGrpSpPr>
+        <p:cNvPr id="1" name=""/>
+        <p:cNvGrpSpPr/>
+        <p:nvPr/>
+      </p:nvGrpSpPr>
+      <p:grpSpPr>
+        <a:xfrm>
+          <a:off x="0" y="0"/>
+          <a:ext cx="0" cy="0"/>
+          <a:chOff x="0" y="0"/>
+          <a:chExt cx="0" cy="0"/>
+        </a:xfrm>
+      </p:grpSpPr>
+      <p:sp>
+        <p:nvSpPr>
+          <p:cNvPr id="2" name="Title 1"/>
+          <p:cNvSpPr>
+            <a:spLocks noGrp="1"/>
+          </p:cNvSpPr>
+          <p:nvPr>
+            <p:ph type="title"/>
+          </p:nvPr>
+        </p:nvSpPr>
+        <p:spPr>
+          <a:xfrm>
+            <a:off x="0" y="0"/>
+            <a:ext cx="8596668" cy="717847"/>
+          </a:xfrm>
+        </p:spPr>
+        <p:txBody>
+          <a:bodyPr/>
+          <a:lstStyle/>
+          <a:p>
+            <a:r>
+              <a:rPr lang="en-US" smtClean="0">
+                <a:latin typeface="Times New Roman" panose="02020603050405020304" pitchFamily="18" charset="0"/>
+                <a:cs typeface="Times New Roman" panose="02020603050405020304" pitchFamily="18" charset="0"/>
+              </a:rPr>
+              <a:t>QUÁ TRÌNH THỰC </a:t>
+            </a:r>
+            <a:r>
+              <a:rPr lang="en-US" smtClean="0">
+                <a:latin typeface="Times New Roman" panose="02020603050405020304" pitchFamily="18" charset="0"/>
+                <a:cs typeface="Times New Roman" panose="02020603050405020304" pitchFamily="18" charset="0"/>
+              </a:rPr>
+              <a:t>HIỆN ĐỀ TÀI</a:t>
+            </a:r>
+            <a:endParaRPr lang="en-US">
+              <a:latin typeface="Times New Roman" panose="02020603050405020304" pitchFamily="18" charset="0"/>
+              <a:cs typeface="Times New Roman" panose="02020603050405020304" pitchFamily="18" charset="0"/>
+            </a:endParaRPr>
+          </a:p>
+        </p:txBody>
+      </p:sp>
+      <p:sp>
+        <p:nvSpPr>
+          <p:cNvPr id="5" name="Rectangle 4"/>
+          <p:cNvSpPr/>
+          <p:nvPr/>
+        </p:nvSpPr>
+        <p:spPr>
+          <a:xfrm>
+            <a:off x="76912" y="1444238"/>
+            <a:ext cx="1965532" cy="640935"/>
+          </a:xfrm>
+          <a:prstGeom prst="rect">
+            <a:avLst/>
+          </a:prstGeom>
+        </p:spPr>
+        <p:style>
+          <a:lnRef idx="2">
+            <a:schemeClr val="accent1">
+              <a:shade val="50000"/>
+            </a:schemeClr>
+          </a:lnRef>
+          <a:fillRef idx="1">
+            <a:schemeClr val="accent1"/>
+          </a:fillRef>
+          <a:effectRef idx="0">
+            <a:schemeClr val="accent1"/>
+          </a:effectRef>
+          <a:fontRef idx="minor">
+            <a:schemeClr val="lt1"/>
+          </a:fontRef>
+        </p:style>
+        <p:txBody>
+          <a:bodyPr rtlCol="0" anchor="ctr"/>
+          <a:lstStyle/>
+          <a:p>
+            <a:pPr algn="ctr"/>
+            <a:r>
+              <a:rPr lang="en-US" smtClean="0"/>
+              <a:t>REQUIREMENTS</a:t>
+            </a:r>
+            <a:endParaRPr lang="en-US"/>
+          </a:p>
+        </p:txBody>
+      </p:sp>
+      <p:sp>
+        <p:nvSpPr>
+          <p:cNvPr id="6" name="Rectangle 5"/>
+          <p:cNvSpPr/>
+          <p:nvPr/>
+        </p:nvSpPr>
+        <p:spPr>
+          <a:xfrm>
+            <a:off x="2256090" y="1222049"/>
+            <a:ext cx="9323461" cy="5033472"/>
+          </a:xfrm>
+          <a:prstGeom prst="rect">
+            <a:avLst/>
+          </a:prstGeom>
+        </p:spPr>
+        <p:style>
+          <a:lnRef idx="2">
+            <a:schemeClr val="accent1">
+              <a:shade val="50000"/>
+            </a:schemeClr>
+          </a:lnRef>
+          <a:fillRef idx="1">
+            <a:schemeClr val="accent1"/>
+          </a:fillRef>
+          <a:effectRef idx="0">
+            <a:schemeClr val="accent1"/>
+          </a:effectRef>
+          <a:fontRef idx="minor">
+            <a:schemeClr val="lt1"/>
+          </a:fontRef>
+        </p:style>
+        <p:txBody>
+          <a:bodyPr rtlCol="0" anchor="ctr"/>
+          <a:lstStyle/>
+          <a:p>
+            <a:pPr algn="ctr"/>
+            <a:endParaRPr lang="en-US"/>
+          </a:p>
+        </p:txBody>
+      </p:sp>
+      <p:sp>
+        <p:nvSpPr>
+          <p:cNvPr id="7" name="Oval 6"/>
+          <p:cNvSpPr/>
+          <p:nvPr/>
+        </p:nvSpPr>
+        <p:spPr>
+          <a:xfrm>
+            <a:off x="4375447" y="1384419"/>
+            <a:ext cx="5717135" cy="760575"/>
+          </a:xfrm>
+          <a:prstGeom prst="ellipse">
+            <a:avLst/>
+          </a:prstGeom>
+        </p:spPr>
+        <p:style>
+          <a:lnRef idx="2">
+            <a:schemeClr val="accent1">
+              <a:shade val="50000"/>
+            </a:schemeClr>
+          </a:lnRef>
+          <a:fillRef idx="1">
+            <a:schemeClr val="accent1"/>
+          </a:fillRef>
+          <a:effectRef idx="0">
+            <a:schemeClr val="accent1"/>
+          </a:effectRef>
+          <a:fontRef idx="minor">
+            <a:schemeClr val="lt1"/>
+          </a:fontRef>
+        </p:style>
+        <p:txBody>
+          <a:bodyPr rtlCol="0" anchor="ctr"/>
+          <a:lstStyle/>
+          <a:p>
+            <a:pPr algn="ctr"/>
+            <a:r>
+              <a:rPr lang="en-US" smtClean="0"/>
+              <a:t>Title</a:t>
+            </a:r>
+            <a:endParaRPr lang="en-US"/>
+          </a:p>
+        </p:txBody>
+      </p:sp>
+      <p:sp>
+        <p:nvSpPr>
+          <p:cNvPr id="9" name="Rounded Rectangle 8"/>
+          <p:cNvSpPr/>
+          <p:nvPr/>
+        </p:nvSpPr>
+        <p:spPr>
+          <a:xfrm>
+            <a:off x="2397096" y="2367183"/>
+            <a:ext cx="5759866" cy="3700329"/>
+          </a:xfrm>
+          <a:prstGeom prst="roundRect">
+            <a:avLst/>
+          </a:prstGeom>
+        </p:spPr>
+        <p:style>
+          <a:lnRef idx="2">
+            <a:schemeClr val="accent1">
+              <a:shade val="50000"/>
+            </a:schemeClr>
+          </a:lnRef>
+          <a:fillRef idx="1">
+            <a:schemeClr val="accent1"/>
+          </a:fillRef>
+          <a:effectRef idx="0">
+            <a:schemeClr val="accent1"/>
+          </a:effectRef>
+          <a:fontRef idx="minor">
+            <a:schemeClr val="lt1"/>
+          </a:fontRef>
+        </p:style>
+        <p:txBody>
+          <a:bodyPr rtlCol="0" anchor="ctr"/>
+          <a:lstStyle/>
+          <a:p>
+            <a:pPr algn="ctr"/>
+            <a:endParaRPr lang="en-US"/>
+          </a:p>
+        </p:txBody>
+      </p:sp>
+      <p:sp>
+        <p:nvSpPr>
+          <p:cNvPr id="10" name="Rounded Rectangle 9"/>
+          <p:cNvSpPr/>
+          <p:nvPr/>
+        </p:nvSpPr>
+        <p:spPr>
+          <a:xfrm>
+            <a:off x="2568012" y="2525281"/>
+            <a:ext cx="5281301" cy="799032"/>
+          </a:xfrm>
+          <a:prstGeom prst="roundRect">
+            <a:avLst/>
+          </a:prstGeom>
+        </p:spPr>
+        <p:style>
+          <a:lnRef idx="2">
+            <a:schemeClr val="accent1">
+              <a:shade val="50000"/>
+            </a:schemeClr>
+          </a:lnRef>
+          <a:fillRef idx="1">
+            <a:schemeClr val="accent1"/>
+          </a:fillRef>
+          <a:effectRef idx="0">
+            <a:schemeClr val="accent1"/>
+          </a:effectRef>
+          <a:fontRef idx="minor">
+            <a:schemeClr val="lt1"/>
+          </a:fontRef>
+        </p:style>
+        <p:txBody>
+          <a:bodyPr rtlCol="0" anchor="ctr"/>
+          <a:lstStyle/>
+          <a:p>
+            <a:pPr algn="ctr"/>
+            <a:r>
+              <a:rPr lang="en-US" smtClean="0"/>
+              <a:t>LIVE STATUS</a:t>
+            </a:r>
+            <a:endParaRPr lang="en-US"/>
+          </a:p>
+        </p:txBody>
+      </p:sp>
+      <p:sp>
+        <p:nvSpPr>
+          <p:cNvPr id="11" name="Rounded Rectangle 10"/>
+          <p:cNvSpPr/>
+          <p:nvPr/>
+        </p:nvSpPr>
+        <p:spPr>
+          <a:xfrm>
+            <a:off x="2568012" y="3384134"/>
+            <a:ext cx="5281301" cy="2478280"/>
+          </a:xfrm>
+          <a:prstGeom prst="roundRect">
+            <a:avLst/>
+          </a:prstGeom>
+        </p:spPr>
+        <p:style>
+          <a:lnRef idx="2">
+            <a:schemeClr val="accent1">
+              <a:shade val="50000"/>
+            </a:schemeClr>
+          </a:lnRef>
+          <a:fillRef idx="1">
+            <a:schemeClr val="accent1"/>
+          </a:fillRef>
+          <a:effectRef idx="0">
+            <a:schemeClr val="accent1"/>
+          </a:effectRef>
+          <a:fontRef idx="minor">
+            <a:schemeClr val="lt1"/>
+          </a:fontRef>
+        </p:style>
+        <p:txBody>
+          <a:bodyPr bIns="91440" rtlCol="0" anchor="ctr"/>
+          <a:lstStyle/>
+          <a:p>
+            <a:pPr algn="ctr"/>
+            <a:endParaRPr lang="en-US" smtClean="0"/>
+          </a:p>
+          <a:p>
+            <a:pPr algn="ctr"/>
+            <a:endParaRPr lang="en-US"/>
+          </a:p>
+        </p:txBody>
+      </p:sp>
+      <p:sp>
+        <p:nvSpPr>
+          <p:cNvPr id="12" name="TextBox 11"/>
+          <p:cNvSpPr txBox="1"/>
+          <p:nvPr/>
+        </p:nvSpPr>
+        <p:spPr>
+          <a:xfrm>
+            <a:off x="3132034" y="3808082"/>
+            <a:ext cx="4153256" cy="369332"/>
+          </a:xfrm>
+          <a:prstGeom prst="rect">
+            <a:avLst/>
+          </a:prstGeom>
+          <a:noFill/>
+        </p:spPr>
+        <p:txBody>
+          <a:bodyPr wrap="square" rtlCol="0">
+            <a:spAutoFit/>
+          </a:bodyPr>
+          <a:lstStyle/>
+          <a:p>
+            <a:pPr algn="ctr"/>
+            <a:r>
+              <a:rPr lang="en-US" smtClean="0"/>
+              <a:t>CHART</a:t>
+            </a:r>
+            <a:endParaRPr lang="en-US"/>
+          </a:p>
+        </p:txBody>
+      </p:sp>
+      <p:sp>
+        <p:nvSpPr>
+          <p:cNvPr id="13" name="TextBox 12"/>
+          <p:cNvSpPr txBox="1"/>
+          <p:nvPr/>
+        </p:nvSpPr>
+        <p:spPr>
+          <a:xfrm>
+            <a:off x="3132034" y="5023063"/>
+            <a:ext cx="4153256" cy="369332"/>
+          </a:xfrm>
+          <a:prstGeom prst="rect">
+            <a:avLst/>
+          </a:prstGeom>
+          <a:noFill/>
+        </p:spPr>
+        <p:txBody>
+          <a:bodyPr wrap="square" rtlCol="0">
+            <a:spAutoFit/>
+          </a:bodyPr>
+          <a:lstStyle/>
+          <a:p>
+            <a:pPr algn="ctr"/>
+            <a:r>
+              <a:rPr lang="en-US" smtClean="0"/>
+              <a:t>MAP</a:t>
+            </a:r>
+            <a:endParaRPr lang="en-US"/>
+          </a:p>
+        </p:txBody>
+      </p:sp>
+      <p:sp>
+        <p:nvSpPr>
+          <p:cNvPr id="14" name="Rounded Rectangle 13"/>
+          <p:cNvSpPr/>
+          <p:nvPr/>
+        </p:nvSpPr>
+        <p:spPr>
+          <a:xfrm>
+            <a:off x="8400516" y="2367183"/>
+            <a:ext cx="2978209" cy="3640507"/>
+          </a:xfrm>
+          <a:prstGeom prst="roundRect">
+            <a:avLst/>
+          </a:prstGeom>
+        </p:spPr>
+        <p:style>
+          <a:lnRef idx="2">
+            <a:schemeClr val="accent1">
+              <a:shade val="50000"/>
+            </a:schemeClr>
+          </a:lnRef>
+          <a:fillRef idx="1">
+            <a:schemeClr val="accent1"/>
+          </a:fillRef>
+          <a:effectRef idx="0">
+            <a:schemeClr val="accent1"/>
+          </a:effectRef>
+          <a:fontRef idx="minor">
+            <a:schemeClr val="lt1"/>
+          </a:fontRef>
+        </p:style>
+        <p:txBody>
+          <a:bodyPr rtlCol="0" anchor="ctr"/>
+          <a:lstStyle/>
+          <a:p>
+            <a:pPr algn="ctr"/>
+            <a:endParaRPr lang="en-US"/>
+          </a:p>
+        </p:txBody>
+      </p:sp>
+      <p:sp>
+        <p:nvSpPr>
+          <p:cNvPr id="15" name="Rectangle 14"/>
+          <p:cNvSpPr/>
+          <p:nvPr/>
+        </p:nvSpPr>
+        <p:spPr>
+          <a:xfrm>
+            <a:off x="8596668" y="2585103"/>
+            <a:ext cx="2500630" cy="401652"/>
+          </a:xfrm>
+          <a:prstGeom prst="rect">
+            <a:avLst/>
+          </a:prstGeom>
+        </p:spPr>
+        <p:style>
+          <a:lnRef idx="2">
+            <a:schemeClr val="accent1">
+              <a:shade val="50000"/>
+            </a:schemeClr>
+          </a:lnRef>
+          <a:fillRef idx="1">
+            <a:schemeClr val="accent1"/>
+          </a:fillRef>
+          <a:effectRef idx="0">
+            <a:schemeClr val="accent1"/>
+          </a:effectRef>
+          <a:fontRef idx="minor">
+            <a:schemeClr val="lt1"/>
+          </a:fontRef>
+        </p:style>
+        <p:txBody>
+          <a:bodyPr rtlCol="0" anchor="ctr"/>
+          <a:lstStyle/>
+          <a:p>
+            <a:pPr algn="ctr"/>
+            <a:r>
+              <a:rPr lang="en-US" sz="1400" smtClean="0"/>
+              <a:t>Filter by country and status</a:t>
+            </a:r>
+            <a:endParaRPr lang="en-US" sz="1400"/>
+          </a:p>
+        </p:txBody>
+      </p:sp>
+      <p:sp>
+        <p:nvSpPr>
+          <p:cNvPr id="19" name="Rectangle 18"/>
+          <p:cNvSpPr/>
+          <p:nvPr/>
+        </p:nvSpPr>
+        <p:spPr>
+          <a:xfrm>
+            <a:off x="8596668" y="3324313"/>
+            <a:ext cx="2572685" cy="2452644"/>
+          </a:xfrm>
+          <a:prstGeom prst="rect">
+            <a:avLst/>
+          </a:prstGeom>
+        </p:spPr>
+        <p:style>
+          <a:lnRef idx="2">
+            <a:schemeClr val="accent1">
+              <a:shade val="50000"/>
+            </a:schemeClr>
+          </a:lnRef>
+          <a:fillRef idx="1">
+            <a:schemeClr val="accent1"/>
+          </a:fillRef>
+          <a:effectRef idx="0">
+            <a:schemeClr val="accent1"/>
+          </a:effectRef>
+          <a:fontRef idx="minor">
+            <a:schemeClr val="lt1"/>
+          </a:fontRef>
+        </p:style>
+        <p:txBody>
+          <a:bodyPr bIns="1828800" rtlCol="0" anchor="ctr"/>
+          <a:lstStyle/>
+          <a:p>
+            <a:pPr algn="ctr"/>
+            <a:r>
+              <a:rPr lang="en-US" smtClean="0"/>
+              <a:t>Chart of World/Country</a:t>
+            </a:r>
+            <a:endParaRPr lang="en-US"/>
+          </a:p>
+        </p:txBody>
+      </p:sp>
+      <p:cxnSp>
+        <p:nvCxnSpPr>
+          <p:cNvPr id="21" name="Straight Connector 20"/>
+          <p:cNvCxnSpPr>
+            <a:stCxn id="19" idx="2"/>
+          </p:cNvCxnSpPr>
+          <p:nvPr/>
+        </p:nvCxnSpPr>
+        <p:spPr>
+          <a:xfrm>
+            <a:off x="9883011" y="5776957"/>
+            <a:ext cx="6609" cy="17092"/>
+          </a:xfrm>
+          <a:prstGeom prst="line">
+            <a:avLst/>
+          </a:prstGeom>
+        </p:spPr>
+        <p:style>
+          <a:lnRef idx="1">
+            <a:schemeClr val="accent1"/>
+          </a:lnRef>
+          <a:fillRef idx="0">
+            <a:schemeClr val="accent1"/>
+          </a:fillRef>
+          <a:effectRef idx="0">
+            <a:schemeClr val="accent1"/>
+          </a:effectRef>
+          <a:fontRef idx="minor">
+            <a:schemeClr val="tx1"/>
+          </a:fontRef>
+        </p:style>
+      </p:cxnSp>
+      <p:cxnSp>
+        <p:nvCxnSpPr>
+          <p:cNvPr id="24" name="Straight Connector 23"/>
+          <p:cNvCxnSpPr/>
+          <p:nvPr/>
+        </p:nvCxnSpPr>
+        <p:spPr>
+          <a:xfrm flipH="1" flipV="1">
+            <a:off x="9864952" y="5563316"/>
+            <a:ext cx="24669" cy="85455"/>
+          </a:xfrm>
+          <a:prstGeom prst="line">
+            <a:avLst/>
+          </a:prstGeom>
+        </p:spPr>
+        <p:style>
+          <a:lnRef idx="1">
+            <a:schemeClr val="accent1"/>
+          </a:lnRef>
+          <a:fillRef idx="0">
+            <a:schemeClr val="accent1"/>
+          </a:fillRef>
+          <a:effectRef idx="0">
+            <a:schemeClr val="accent1"/>
+          </a:effectRef>
+          <a:fontRef idx="minor">
+            <a:schemeClr val="tx1"/>
+          </a:fontRef>
+        </p:style>
+      </p:cxnSp>
+      <p:sp>
+        <p:nvSpPr>
+          <p:cNvPr id="26" name="Rectangle 25"/>
+          <p:cNvSpPr/>
+          <p:nvPr/>
+        </p:nvSpPr>
+        <p:spPr>
+          <a:xfrm>
+            <a:off x="8699619" y="3992748"/>
+            <a:ext cx="1165333" cy="1656023"/>
+          </a:xfrm>
+          <a:prstGeom prst="rect">
+            <a:avLst/>
+          </a:prstGeom>
+        </p:spPr>
+        <p:style>
+          <a:lnRef idx="2">
+            <a:schemeClr val="accent1">
+              <a:shade val="50000"/>
+            </a:schemeClr>
+          </a:lnRef>
+          <a:fillRef idx="1">
+            <a:schemeClr val="accent1"/>
+          </a:fillRef>
+          <a:effectRef idx="0">
+            <a:schemeClr val="accent1"/>
+          </a:effectRef>
+          <a:fontRef idx="minor">
+            <a:schemeClr val="lt1"/>
+          </a:fontRef>
+        </p:style>
+        <p:txBody>
+          <a:bodyPr rtlCol="0" anchor="ctr"/>
+          <a:lstStyle/>
+          <a:p>
+            <a:pPr algn="ctr"/>
+            <a:r>
+              <a:rPr lang="en-US" smtClean="0"/>
+              <a:t>Country/</a:t>
+            </a:r>
+          </a:p>
+          <a:p>
+            <a:pPr algn="ctr"/>
+            <a:r>
+              <a:rPr lang="en-US" smtClean="0"/>
+              <a:t>Date</a:t>
+            </a:r>
+            <a:endParaRPr lang="en-US"/>
+          </a:p>
+        </p:txBody>
+      </p:sp>
+      <p:sp>
+        <p:nvSpPr>
+          <p:cNvPr id="27" name="Rectangle 26"/>
+          <p:cNvSpPr/>
+          <p:nvPr/>
+        </p:nvSpPr>
+        <p:spPr>
+          <a:xfrm>
+            <a:off x="10007125" y="3992748"/>
+            <a:ext cx="1090173" cy="1656023"/>
+          </a:xfrm>
+          <a:prstGeom prst="rect">
+            <a:avLst/>
+          </a:prstGeom>
+        </p:spPr>
+        <p:style>
+          <a:lnRef idx="2">
+            <a:schemeClr val="accent1">
+              <a:shade val="50000"/>
+            </a:schemeClr>
+          </a:lnRef>
+          <a:fillRef idx="1">
+            <a:schemeClr val="accent1"/>
+          </a:fillRef>
+          <a:effectRef idx="0">
+            <a:schemeClr val="accent1"/>
+          </a:effectRef>
+          <a:fontRef idx="minor">
+            <a:schemeClr val="lt1"/>
+          </a:fontRef>
+        </p:style>
+        <p:txBody>
+          <a:bodyPr rtlCol="0" anchor="ctr"/>
+          <a:lstStyle/>
+          <a:p>
+            <a:pPr algn="ctr"/>
+            <a:r>
+              <a:rPr lang="en-US" smtClean="0"/>
+              <a:t>Status</a:t>
+            </a:r>
+            <a:endParaRPr lang="en-US"/>
+          </a:p>
+        </p:txBody>
+      </p:sp>
+      <p:cxnSp>
+        <p:nvCxnSpPr>
+          <p:cNvPr id="29" name="Straight Connector 28"/>
+          <p:cNvCxnSpPr>
+            <a:endCxn id="11" idx="3"/>
+          </p:cNvCxnSpPr>
+          <p:nvPr/>
+        </p:nvCxnSpPr>
+        <p:spPr>
+          <a:xfrm>
+            <a:off x="4076344" y="4537817"/>
+            <a:ext cx="3772969" cy="85457"/>
+          </a:xfrm>
+          <a:prstGeom prst="line">
+            <a:avLst/>
+          </a:prstGeom>
+        </p:spPr>
+        <p:style>
+          <a:lnRef idx="1">
+            <a:schemeClr val="accent1"/>
+          </a:lnRef>
+          <a:fillRef idx="0">
+            <a:schemeClr val="accent1"/>
+          </a:fillRef>
+          <a:effectRef idx="0">
+            <a:schemeClr val="accent1"/>
+          </a:effectRef>
+          <a:fontRef idx="minor">
+            <a:schemeClr val="tx1"/>
+          </a:fontRef>
+        </p:style>
+      </p:cxnSp>
+      <p:cxnSp>
+        <p:nvCxnSpPr>
+          <p:cNvPr id="32" name="Straight Connector 31"/>
+          <p:cNvCxnSpPr>
+            <a:stCxn id="11" idx="1"/>
+            <a:endCxn id="11" idx="3"/>
+          </p:cNvCxnSpPr>
+          <p:nvPr/>
+        </p:nvCxnSpPr>
+        <p:spPr>
+          <a:xfrm>
+            <a:off x="2568012" y="4623274"/>
+            <a:ext cx="5281301" cy="0"/>
+          </a:xfrm>
+          <a:prstGeom prst="line">
+            <a:avLst/>
+          </a:prstGeom>
+          <a:ln>
+            <a:solidFill>
+              <a:schemeClr val="tx1"/>
+            </a:solidFill>
+          </a:ln>
+        </p:spPr>
+        <p:style>
+          <a:lnRef idx="1">
+            <a:schemeClr val="accent1"/>
+          </a:lnRef>
+          <a:fillRef idx="0">
+            <a:schemeClr val="accent1"/>
+          </a:fillRef>
+          <a:effectRef idx="0">
+            <a:schemeClr val="accent1"/>
+          </a:effectRef>
+          <a:fontRef idx="minor">
+            <a:schemeClr val="tx1"/>
+          </a:fontRef>
+        </p:style>
+      </p:cxnSp>
+      <p:sp>
+        <p:nvSpPr>
+          <p:cNvPr id="37" name="TextBox 36"/>
+          <p:cNvSpPr txBox="1"/>
+          <p:nvPr/>
+        </p:nvSpPr>
+        <p:spPr>
+          <a:xfrm>
+            <a:off x="76912" y="2144994"/>
+            <a:ext cx="1965532" cy="4893647"/>
+          </a:xfrm>
+          <a:prstGeom prst="rect">
+            <a:avLst/>
+          </a:prstGeom>
+          <a:noFill/>
+        </p:spPr>
+        <p:txBody>
+          <a:bodyPr wrap="square" rtlCol="0">
+            <a:spAutoFit/>
+          </a:bodyPr>
+          <a:lstStyle/>
+          <a:p>
+            <a:pPr marL="342900" indent="-342900">
+              <a:buFont typeface="+mj-lt"/>
+              <a:buAutoNum type="arabicPeriod"/>
+            </a:pPr>
+            <a:r>
+              <a:rPr lang="en-US" sz="1400" smtClean="0">
+                <a:latin typeface="Times New Roman" panose="02020603050405020304" pitchFamily="18" charset="0"/>
+                <a:cs typeface="Times New Roman" panose="02020603050405020304" pitchFamily="18" charset="0"/>
+              </a:rPr>
+              <a:t>Lấy thông tin các quốc gia.</a:t>
+            </a:r>
+          </a:p>
+          <a:p>
+            <a:pPr marL="342900" indent="-342900">
+              <a:buFont typeface="+mj-lt"/>
+              <a:buAutoNum type="arabicPeriod"/>
+            </a:pPr>
+            <a:r>
+              <a:rPr lang="en-US" sz="1400" smtClean="0">
+                <a:latin typeface="Times New Roman" panose="02020603050405020304" pitchFamily="18" charset="0"/>
+                <a:cs typeface="Times New Roman" panose="02020603050405020304" pitchFamily="18" charset="0"/>
+              </a:rPr>
+              <a:t>Lấy thông tin các ca nhiễm/tử vong/hồi phục.</a:t>
+            </a:r>
+          </a:p>
+          <a:p>
+            <a:pPr marL="342900" indent="-342900">
+              <a:buFont typeface="+mj-lt"/>
+              <a:buAutoNum type="arabicPeriod"/>
+            </a:pPr>
+            <a:r>
+              <a:rPr lang="en-US" sz="1400" smtClean="0">
+                <a:latin typeface="Times New Roman" panose="02020603050405020304" pitchFamily="18" charset="0"/>
+                <a:cs typeface="Times New Roman" panose="02020603050405020304" pitchFamily="18" charset="0"/>
+              </a:rPr>
+              <a:t>Hiển thị kết quả lấy được trên  </a:t>
+            </a:r>
+            <a:r>
+              <a:rPr lang="en-US" sz="1400" b="1" smtClean="0">
+                <a:latin typeface="Times New Roman" panose="02020603050405020304" pitchFamily="18" charset="0"/>
+                <a:cs typeface="Times New Roman" panose="02020603050405020304" pitchFamily="18" charset="0"/>
+              </a:rPr>
+              <a:t>LIVE STATUS, CHART MAP </a:t>
+            </a:r>
+            <a:r>
+              <a:rPr lang="en-US" sz="1400" smtClean="0">
+                <a:latin typeface="Times New Roman" panose="02020603050405020304" pitchFamily="18" charset="0"/>
+                <a:cs typeface="Times New Roman" panose="02020603050405020304" pitchFamily="18" charset="0"/>
+              </a:rPr>
+              <a:t>thông qua thư viện có sẵn</a:t>
+            </a:r>
+            <a:endParaRPr lang="en-US" sz="1400" b="1" smtClean="0">
+              <a:latin typeface="Times New Roman" panose="02020603050405020304" pitchFamily="18" charset="0"/>
+              <a:cs typeface="Times New Roman" panose="02020603050405020304" pitchFamily="18" charset="0"/>
+            </a:endParaRPr>
+          </a:p>
+          <a:p>
+            <a:pPr marL="342900" indent="-342900">
+              <a:buFont typeface="+mj-lt"/>
+              <a:buAutoNum type="arabicPeriod"/>
+            </a:pPr>
+            <a:r>
+              <a:rPr lang="en-US" sz="1400" smtClean="0">
+                <a:latin typeface="Times New Roman" panose="02020603050405020304" pitchFamily="18" charset="0"/>
+                <a:cs typeface="Times New Roman" panose="02020603050405020304" pitchFamily="18" charset="0"/>
+              </a:rPr>
+              <a:t>Chức năng live cases theo quốc gia, thể hiện ở </a:t>
+            </a:r>
+            <a:r>
+              <a:rPr lang="en-US" sz="1400" b="1" smtClean="0">
+                <a:latin typeface="Times New Roman" panose="02020603050405020304" pitchFamily="18" charset="0"/>
+                <a:cs typeface="Times New Roman" panose="02020603050405020304" pitchFamily="18" charset="0"/>
+              </a:rPr>
+              <a:t>Chart of Status.</a:t>
+            </a:r>
+          </a:p>
+          <a:p>
+            <a:pPr marL="342900" indent="-342900">
+              <a:buFont typeface="+mj-lt"/>
+              <a:buAutoNum type="arabicPeriod"/>
+            </a:pPr>
+            <a:r>
+              <a:rPr lang="en-US" sz="1400" smtClean="0">
+                <a:latin typeface="Times New Roman" panose="02020603050405020304" pitchFamily="18" charset="0"/>
+                <a:cs typeface="Times New Roman" panose="02020603050405020304" pitchFamily="18" charset="0"/>
+              </a:rPr>
+              <a:t>Trang khuyến cáo Covid (chưa thực hiện)</a:t>
+            </a:r>
+          </a:p>
+          <a:p>
+            <a:pPr marL="342900" indent="-342900">
+              <a:buFont typeface="+mj-lt"/>
+              <a:buAutoNum type="arabicPeriod"/>
+            </a:pPr>
+            <a:r>
+              <a:rPr lang="en-US" sz="1400" smtClean="0">
+                <a:latin typeface="Times New Roman" panose="02020603050405020304" pitchFamily="18" charset="0"/>
+                <a:cs typeface="Times New Roman" panose="02020603050405020304" pitchFamily="18" charset="0"/>
+              </a:rPr>
+              <a:t>Trang thông tin bản thân (</a:t>
+            </a:r>
+            <a:r>
+              <a:rPr lang="en-US" sz="1400">
+                <a:latin typeface="Times New Roman" panose="02020603050405020304" pitchFamily="18" charset="0"/>
+                <a:cs typeface="Times New Roman" panose="02020603050405020304" pitchFamily="18" charset="0"/>
+              </a:rPr>
+              <a:t>chưa thực hiện)</a:t>
+            </a:r>
+          </a:p>
+          <a:p>
+            <a:pPr marL="342900" indent="-342900">
+              <a:buFont typeface="+mj-lt"/>
+              <a:buAutoNum type="arabicPeriod"/>
+            </a:pPr>
+            <a:endParaRPr lang="en-US" sz="1400" smtClean="0">
+              <a:latin typeface="Times New Roman" panose="02020603050405020304" pitchFamily="18" charset="0"/>
+              <a:cs typeface="Times New Roman" panose="02020603050405020304" pitchFamily="18" charset="0"/>
+            </a:endParaRPr>
+          </a:p>
+          <a:p>
+            <a:pPr marL="342900" indent="-342900">
+              <a:buFont typeface="+mj-lt"/>
+              <a:buAutoNum type="arabicPeriod"/>
+            </a:pPr>
+            <a:endParaRPr lang="en-US"/>
+          </a:p>
+        </p:txBody>
+      </p:sp>
+    </p:spTree>
+    <p:extLst>
+      <p:ext uri="{BB962C8B-B14F-4D97-AF65-F5344CB8AC3E}">
+        <p14:creationId xmlns:p14="http://schemas.microsoft.com/office/powerpoint/2010/main" val="3946628650"/>
+      </p:ext>
+    </p:extLst>
+  </p:cSld>
+  <p:clrMapOvr>
+    <a:masterClrMapping/>
+  </p:clrMapOvr>
+</p:sld>
+</file>
+
+<file path=ppt/slides/slide4.xml><?xml version="1.0" encoding="utf-8"?>
+<p:sld xmlns:a="http://schemas.openxmlformats.org/drawingml/2006/main" xmlns:r="http://schemas.openxmlformats.org/officeDocument/2006/relationships" xmlns:p="http://schemas.openxmlformats.org/presentationml/2006/main">
+  <p:cSld>
+    <p:spTree>
+      <p:nvGrpSpPr>
+        <p:cNvPr id="1" name=""/>
+        <p:cNvGrpSpPr/>
+        <p:nvPr/>
+      </p:nvGrpSpPr>
+      <p:grpSpPr>
+        <a:xfrm>
+          <a:off x="0" y="0"/>
+          <a:ext cx="0" cy="0"/>
+          <a:chOff x="0" y="0"/>
+          <a:chExt cx="0" cy="0"/>
+        </a:xfrm>
+      </p:grpSpPr>
+      <p:sp>
+        <p:nvSpPr>
+          <p:cNvPr id="2" name="Title 1"/>
+          <p:cNvSpPr>
+            <a:spLocks noGrp="1"/>
+          </p:cNvSpPr>
+          <p:nvPr>
+            <p:ph type="title"/>
+          </p:nvPr>
+        </p:nvSpPr>
+        <p:spPr>
+          <a:xfrm>
+            <a:off x="612449" y="0"/>
+            <a:ext cx="8596668" cy="717847"/>
+          </a:xfrm>
+        </p:spPr>
+        <p:txBody>
+          <a:bodyPr/>
+          <a:lstStyle/>
+          <a:p>
+            <a:r>
+              <a:rPr lang="en-US" smtClean="0">
+                <a:latin typeface="Times New Roman" panose="02020603050405020304" pitchFamily="18" charset="0"/>
+                <a:cs typeface="Times New Roman" panose="02020603050405020304" pitchFamily="18" charset="0"/>
+              </a:rPr>
+              <a:t>QUÁ TRÌNH THỰC </a:t>
+            </a:r>
+            <a:r>
+              <a:rPr lang="en-US" smtClean="0">
+                <a:latin typeface="Times New Roman" panose="02020603050405020304" pitchFamily="18" charset="0"/>
+                <a:cs typeface="Times New Roman" panose="02020603050405020304" pitchFamily="18" charset="0"/>
+              </a:rPr>
+              <a:t>HIỆN ĐỀ TÀI</a:t>
+            </a:r>
+            <a:endParaRPr lang="en-US">
+              <a:latin typeface="Times New Roman" panose="02020603050405020304" pitchFamily="18" charset="0"/>
+              <a:cs typeface="Times New Roman" panose="02020603050405020304" pitchFamily="18" charset="0"/>
+            </a:endParaRPr>
+          </a:p>
+        </p:txBody>
+      </p:sp>
+      <p:sp>
+        <p:nvSpPr>
+          <p:cNvPr id="5" name="Rectangle 4"/>
+          <p:cNvSpPr/>
+          <p:nvPr/>
+        </p:nvSpPr>
+        <p:spPr>
+          <a:xfrm>
+            <a:off x="0" y="1102407"/>
+            <a:ext cx="2765990" cy="820398"/>
+          </a:xfrm>
+          <a:prstGeom prst="rect">
+            <a:avLst/>
+          </a:prstGeom>
+        </p:spPr>
+        <p:style>
+          <a:lnRef idx="2">
+            <a:schemeClr val="accent1">
+              <a:shade val="50000"/>
+            </a:schemeClr>
+          </a:lnRef>
+          <a:fillRef idx="1">
+            <a:schemeClr val="accent1"/>
+          </a:fillRef>
+          <a:effectRef idx="0">
+            <a:schemeClr val="accent1"/>
+          </a:effectRef>
+          <a:fontRef idx="minor">
+            <a:schemeClr val="lt1"/>
+          </a:fontRef>
+        </p:style>
+        <p:txBody>
+          <a:bodyPr rtlCol="0" anchor="ctr"/>
+          <a:lstStyle/>
+          <a:p>
+            <a:pPr algn="ctr"/>
+            <a:r>
+              <a:rPr lang="en-US" smtClean="0"/>
+              <a:t>API</a:t>
+            </a:r>
+          </a:p>
+          <a:p>
+            <a:pPr algn="ctr"/>
+            <a:r>
+              <a:rPr lang="en-US"/>
+              <a:t>https://</a:t>
+            </a:r>
+            <a:r>
+              <a:rPr lang="en-US" sz="1400"/>
+              <a:t>api.covid19api.com</a:t>
+            </a:r>
+          </a:p>
+        </p:txBody>
+      </p:sp>
+      <p:sp>
+        <p:nvSpPr>
+          <p:cNvPr id="6" name="Rectangle 5"/>
+          <p:cNvSpPr/>
+          <p:nvPr/>
+        </p:nvSpPr>
+        <p:spPr>
+          <a:xfrm>
+            <a:off x="2868539" y="1222049"/>
+            <a:ext cx="9323461" cy="5033472"/>
+          </a:xfrm>
+          <a:prstGeom prst="rect">
+            <a:avLst/>
+          </a:prstGeom>
+        </p:spPr>
+        <p:style>
+          <a:lnRef idx="2">
+            <a:schemeClr val="accent1">
+              <a:shade val="50000"/>
+            </a:schemeClr>
+          </a:lnRef>
+          <a:fillRef idx="1">
+            <a:schemeClr val="accent1"/>
+          </a:fillRef>
+          <a:effectRef idx="0">
+            <a:schemeClr val="accent1"/>
+          </a:effectRef>
+          <a:fontRef idx="minor">
+            <a:schemeClr val="lt1"/>
+          </a:fontRef>
+        </p:style>
+        <p:txBody>
+          <a:bodyPr rtlCol="0" anchor="ctr"/>
+          <a:lstStyle/>
+          <a:p>
+            <a:pPr algn="ctr"/>
+            <a:endParaRPr lang="en-US"/>
+          </a:p>
+        </p:txBody>
+      </p:sp>
+      <p:sp>
+        <p:nvSpPr>
+          <p:cNvPr id="7" name="Oval 6"/>
+          <p:cNvSpPr/>
+          <p:nvPr/>
+        </p:nvSpPr>
+        <p:spPr>
+          <a:xfrm>
+            <a:off x="4987896" y="1384419"/>
+            <a:ext cx="5717135" cy="760575"/>
+          </a:xfrm>
+          <a:prstGeom prst="ellipse">
+            <a:avLst/>
+          </a:prstGeom>
+        </p:spPr>
+        <p:style>
+          <a:lnRef idx="2">
+            <a:schemeClr val="accent1">
+              <a:shade val="50000"/>
+            </a:schemeClr>
+          </a:lnRef>
+          <a:fillRef idx="1">
+            <a:schemeClr val="accent1"/>
+          </a:fillRef>
+          <a:effectRef idx="0">
+            <a:schemeClr val="accent1"/>
+          </a:effectRef>
+          <a:fontRef idx="minor">
+            <a:schemeClr val="lt1"/>
+          </a:fontRef>
+        </p:style>
+        <p:txBody>
+          <a:bodyPr rtlCol="0" anchor="ctr"/>
+          <a:lstStyle/>
+          <a:p>
+            <a:pPr algn="ctr"/>
+            <a:r>
+              <a:rPr lang="en-US" smtClean="0"/>
+              <a:t>Title</a:t>
+            </a:r>
+            <a:endParaRPr lang="en-US"/>
+          </a:p>
+        </p:txBody>
+      </p:sp>
+      <p:sp>
+        <p:nvSpPr>
+          <p:cNvPr id="9" name="Rounded Rectangle 8"/>
+          <p:cNvSpPr/>
+          <p:nvPr/>
+        </p:nvSpPr>
+        <p:spPr>
+          <a:xfrm>
+            <a:off x="3009545" y="2367183"/>
+            <a:ext cx="5759866" cy="3700329"/>
+          </a:xfrm>
+          <a:prstGeom prst="roundRect">
+            <a:avLst/>
+          </a:prstGeom>
+        </p:spPr>
+        <p:style>
+          <a:lnRef idx="2">
+            <a:schemeClr val="accent1">
+              <a:shade val="50000"/>
+            </a:schemeClr>
+          </a:lnRef>
+          <a:fillRef idx="1">
+            <a:schemeClr val="accent1"/>
+          </a:fillRef>
+          <a:effectRef idx="0">
+            <a:schemeClr val="accent1"/>
+          </a:effectRef>
+          <a:fontRef idx="minor">
+            <a:schemeClr val="lt1"/>
+          </a:fontRef>
+        </p:style>
+        <p:txBody>
+          <a:bodyPr rtlCol="0" anchor="ctr"/>
+          <a:lstStyle/>
+          <a:p>
+            <a:pPr algn="ctr"/>
+            <a:endParaRPr lang="en-US"/>
+          </a:p>
+        </p:txBody>
+      </p:sp>
+      <p:sp>
+        <p:nvSpPr>
+          <p:cNvPr id="10" name="Rounded Rectangle 9"/>
+          <p:cNvSpPr/>
+          <p:nvPr/>
+        </p:nvSpPr>
+        <p:spPr>
+          <a:xfrm>
+            <a:off x="3180461" y="2525281"/>
+            <a:ext cx="5281301" cy="799032"/>
+          </a:xfrm>
+          <a:prstGeom prst="roundRect">
+            <a:avLst/>
+          </a:prstGeom>
+        </p:spPr>
+        <p:style>
+          <a:lnRef idx="2">
+            <a:schemeClr val="accent1">
+              <a:shade val="50000"/>
+            </a:schemeClr>
+          </a:lnRef>
+          <a:fillRef idx="1">
+            <a:schemeClr val="accent1"/>
+          </a:fillRef>
+          <a:effectRef idx="0">
+            <a:schemeClr val="accent1"/>
+          </a:effectRef>
+          <a:fontRef idx="minor">
+            <a:schemeClr val="lt1"/>
+          </a:fontRef>
+        </p:style>
+        <p:txBody>
+          <a:bodyPr rtlCol="0" anchor="ctr"/>
+          <a:lstStyle/>
+          <a:p>
+            <a:pPr algn="ctr"/>
+            <a:r>
+              <a:rPr lang="en-US" smtClean="0"/>
+              <a:t>LIVE STATUS</a:t>
+            </a:r>
+            <a:endParaRPr lang="en-US"/>
+          </a:p>
+        </p:txBody>
+      </p:sp>
+      <p:sp>
+        <p:nvSpPr>
+          <p:cNvPr id="11" name="Rounded Rectangle 10"/>
+          <p:cNvSpPr/>
+          <p:nvPr/>
+        </p:nvSpPr>
+        <p:spPr>
+          <a:xfrm>
+            <a:off x="3180461" y="3341405"/>
+            <a:ext cx="5281301" cy="2478280"/>
+          </a:xfrm>
+          <a:prstGeom prst="roundRect">
+            <a:avLst/>
+          </a:prstGeom>
+        </p:spPr>
+        <p:style>
+          <a:lnRef idx="2">
+            <a:schemeClr val="accent1">
+              <a:shade val="50000"/>
+            </a:schemeClr>
+          </a:lnRef>
+          <a:fillRef idx="1">
+            <a:schemeClr val="accent1"/>
+          </a:fillRef>
+          <a:effectRef idx="0">
+            <a:schemeClr val="accent1"/>
+          </a:effectRef>
+          <a:fontRef idx="minor">
+            <a:schemeClr val="lt1"/>
+          </a:fontRef>
+        </p:style>
+        <p:txBody>
+          <a:bodyPr bIns="91440" rtlCol="0" anchor="ctr"/>
+          <a:lstStyle/>
+          <a:p>
+            <a:pPr algn="ctr"/>
+            <a:endParaRPr lang="en-US" smtClean="0"/>
+          </a:p>
+          <a:p>
+            <a:pPr algn="ctr"/>
+            <a:endParaRPr lang="en-US"/>
+          </a:p>
+        </p:txBody>
+      </p:sp>
+      <p:sp>
+        <p:nvSpPr>
+          <p:cNvPr id="12" name="TextBox 11"/>
+          <p:cNvSpPr txBox="1"/>
+          <p:nvPr/>
+        </p:nvSpPr>
+        <p:spPr>
+          <a:xfrm>
+            <a:off x="3744483" y="3808082"/>
+            <a:ext cx="4153256" cy="369332"/>
+          </a:xfrm>
+          <a:prstGeom prst="rect">
+            <a:avLst/>
+          </a:prstGeom>
+          <a:noFill/>
+        </p:spPr>
+        <p:txBody>
+          <a:bodyPr wrap="square" rtlCol="0">
+            <a:spAutoFit/>
+          </a:bodyPr>
+          <a:lstStyle/>
+          <a:p>
+            <a:pPr algn="ctr"/>
+            <a:r>
+              <a:rPr lang="en-US" smtClean="0"/>
+              <a:t>CHART</a:t>
+            </a:r>
+            <a:endParaRPr lang="en-US"/>
+          </a:p>
+        </p:txBody>
+      </p:sp>
+      <p:sp>
+        <p:nvSpPr>
+          <p:cNvPr id="13" name="TextBox 12"/>
+          <p:cNvSpPr txBox="1"/>
+          <p:nvPr/>
+        </p:nvSpPr>
+        <p:spPr>
+          <a:xfrm>
+            <a:off x="3744483" y="4961765"/>
+            <a:ext cx="4153256" cy="369332"/>
+          </a:xfrm>
+          <a:prstGeom prst="rect">
+            <a:avLst/>
+          </a:prstGeom>
+          <a:noFill/>
+        </p:spPr>
+        <p:txBody>
+          <a:bodyPr wrap="square" rtlCol="0">
+            <a:spAutoFit/>
+          </a:bodyPr>
+          <a:lstStyle/>
+          <a:p>
+            <a:pPr algn="ctr"/>
+            <a:r>
+              <a:rPr lang="en-US" smtClean="0"/>
+              <a:t>MAP</a:t>
+            </a:r>
+            <a:endParaRPr lang="en-US"/>
+          </a:p>
+        </p:txBody>
+      </p:sp>
+      <p:sp>
+        <p:nvSpPr>
+          <p:cNvPr id="14" name="Rounded Rectangle 13"/>
+          <p:cNvSpPr/>
+          <p:nvPr/>
+        </p:nvSpPr>
+        <p:spPr>
+          <a:xfrm>
+            <a:off x="9012965" y="2367183"/>
+            <a:ext cx="2978209" cy="3640507"/>
+          </a:xfrm>
+          <a:prstGeom prst="roundRect">
+            <a:avLst/>
+          </a:prstGeom>
+        </p:spPr>
+        <p:style>
+          <a:lnRef idx="2">
+            <a:schemeClr val="accent1">
+              <a:shade val="50000"/>
+            </a:schemeClr>
+          </a:lnRef>
+          <a:fillRef idx="1">
+            <a:schemeClr val="accent1"/>
+          </a:fillRef>
+          <a:effectRef idx="0">
+            <a:schemeClr val="accent1"/>
+          </a:effectRef>
+          <a:fontRef idx="minor">
+            <a:schemeClr val="lt1"/>
+          </a:fontRef>
+        </p:style>
+        <p:txBody>
+          <a:bodyPr rtlCol="0" anchor="ctr"/>
+          <a:lstStyle/>
+          <a:p>
+            <a:pPr algn="ctr"/>
+            <a:endParaRPr lang="en-US"/>
+          </a:p>
+        </p:txBody>
+      </p:sp>
+      <p:sp>
+        <p:nvSpPr>
+          <p:cNvPr id="15" name="Rectangle 14"/>
+          <p:cNvSpPr/>
+          <p:nvPr/>
+        </p:nvSpPr>
+        <p:spPr>
+          <a:xfrm>
+            <a:off x="9209117" y="2585103"/>
+            <a:ext cx="2500630" cy="401652"/>
+          </a:xfrm>
+          <a:prstGeom prst="rect">
+            <a:avLst/>
+          </a:prstGeom>
+        </p:spPr>
+        <p:style>
+          <a:lnRef idx="2">
+            <a:schemeClr val="accent1">
+              <a:shade val="50000"/>
+            </a:schemeClr>
+          </a:lnRef>
+          <a:fillRef idx="1">
+            <a:schemeClr val="accent1"/>
+          </a:fillRef>
+          <a:effectRef idx="0">
+            <a:schemeClr val="accent1"/>
+          </a:effectRef>
+          <a:fontRef idx="minor">
+            <a:schemeClr val="lt1"/>
+          </a:fontRef>
+        </p:style>
+        <p:txBody>
+          <a:bodyPr rtlCol="0" anchor="ctr"/>
+          <a:lstStyle/>
+          <a:p>
+            <a:pPr algn="ctr"/>
+            <a:r>
+              <a:rPr lang="en-US" sz="1400" smtClean="0"/>
+              <a:t>Filter by country and status</a:t>
+            </a:r>
+            <a:endParaRPr lang="en-US" sz="1400"/>
+          </a:p>
+        </p:txBody>
+      </p:sp>
+      <p:sp>
+        <p:nvSpPr>
+          <p:cNvPr id="19" name="Rectangle 18"/>
+          <p:cNvSpPr/>
+          <p:nvPr/>
+        </p:nvSpPr>
+        <p:spPr>
+          <a:xfrm>
+            <a:off x="9209117" y="3324313"/>
+            <a:ext cx="2572685" cy="2452644"/>
+          </a:xfrm>
+          <a:prstGeom prst="rect">
+            <a:avLst/>
+          </a:prstGeom>
+        </p:spPr>
+        <p:style>
+          <a:lnRef idx="2">
+            <a:schemeClr val="accent1">
+              <a:shade val="50000"/>
+            </a:schemeClr>
+          </a:lnRef>
+          <a:fillRef idx="1">
+            <a:schemeClr val="accent1"/>
+          </a:fillRef>
+          <a:effectRef idx="0">
+            <a:schemeClr val="accent1"/>
+          </a:effectRef>
+          <a:fontRef idx="minor">
+            <a:schemeClr val="lt1"/>
+          </a:fontRef>
+        </p:style>
+        <p:txBody>
+          <a:bodyPr bIns="1828800" rtlCol="0" anchor="ctr"/>
+          <a:lstStyle/>
+          <a:p>
+            <a:pPr algn="ctr"/>
+            <a:r>
+              <a:rPr lang="en-US" smtClean="0"/>
+              <a:t>Chart of World/Country</a:t>
+            </a:r>
+            <a:endParaRPr lang="en-US"/>
+          </a:p>
+        </p:txBody>
+      </p:sp>
+      <p:cxnSp>
+        <p:nvCxnSpPr>
+          <p:cNvPr id="21" name="Straight Connector 20"/>
+          <p:cNvCxnSpPr>
+            <a:stCxn id="19" idx="2"/>
+          </p:cNvCxnSpPr>
+          <p:nvPr/>
+        </p:nvCxnSpPr>
+        <p:spPr>
+          <a:xfrm>
+            <a:off x="10495460" y="5776957"/>
+            <a:ext cx="6609" cy="17092"/>
+          </a:xfrm>
+          <a:prstGeom prst="line">
+            <a:avLst/>
+          </a:prstGeom>
+        </p:spPr>
+        <p:style>
+          <a:lnRef idx="1">
+            <a:schemeClr val="accent1"/>
+          </a:lnRef>
+          <a:fillRef idx="0">
+            <a:schemeClr val="accent1"/>
+          </a:fillRef>
+          <a:effectRef idx="0">
+            <a:schemeClr val="accent1"/>
+          </a:effectRef>
+          <a:fontRef idx="minor">
+            <a:schemeClr val="tx1"/>
+          </a:fontRef>
+        </p:style>
+      </p:cxnSp>
+      <p:cxnSp>
+        <p:nvCxnSpPr>
+          <p:cNvPr id="24" name="Straight Connector 23"/>
+          <p:cNvCxnSpPr/>
+          <p:nvPr/>
+        </p:nvCxnSpPr>
+        <p:spPr>
+          <a:xfrm flipH="1" flipV="1">
+            <a:off x="10477401" y="5563316"/>
+            <a:ext cx="24669" cy="85455"/>
+          </a:xfrm>
+          <a:prstGeom prst="line">
+            <a:avLst/>
+          </a:prstGeom>
+        </p:spPr>
+        <p:style>
+          <a:lnRef idx="1">
+            <a:schemeClr val="accent1"/>
+          </a:lnRef>
+          <a:fillRef idx="0">
+            <a:schemeClr val="accent1"/>
+          </a:fillRef>
+          <a:effectRef idx="0">
+            <a:schemeClr val="accent1"/>
+          </a:effectRef>
+          <a:fontRef idx="minor">
+            <a:schemeClr val="tx1"/>
+          </a:fontRef>
+        </p:style>
+      </p:cxnSp>
+      <p:sp>
+        <p:nvSpPr>
+          <p:cNvPr id="26" name="Rectangle 25"/>
+          <p:cNvSpPr/>
+          <p:nvPr/>
+        </p:nvSpPr>
+        <p:spPr>
+          <a:xfrm>
+            <a:off x="9312068" y="3992748"/>
+            <a:ext cx="1165333" cy="1656023"/>
+          </a:xfrm>
+          <a:prstGeom prst="rect">
+            <a:avLst/>
+          </a:prstGeom>
+        </p:spPr>
+        <p:style>
+          <a:lnRef idx="2">
+            <a:schemeClr val="accent1">
+              <a:shade val="50000"/>
+            </a:schemeClr>
+          </a:lnRef>
+          <a:fillRef idx="1">
+            <a:schemeClr val="accent1"/>
+          </a:fillRef>
+          <a:effectRef idx="0">
+            <a:schemeClr val="accent1"/>
+          </a:effectRef>
+          <a:fontRef idx="minor">
+            <a:schemeClr val="lt1"/>
+          </a:fontRef>
+        </p:style>
+        <p:txBody>
+          <a:bodyPr rtlCol="0" anchor="ctr"/>
+          <a:lstStyle/>
+          <a:p>
+            <a:pPr algn="ctr"/>
+            <a:r>
+              <a:rPr lang="en-US" smtClean="0"/>
+              <a:t>Country/</a:t>
+            </a:r>
+          </a:p>
+          <a:p>
+            <a:pPr algn="ctr"/>
+            <a:r>
+              <a:rPr lang="en-US" smtClean="0"/>
+              <a:t>Date</a:t>
+            </a:r>
+            <a:endParaRPr lang="en-US"/>
+          </a:p>
+        </p:txBody>
+      </p:sp>
+      <p:sp>
+        <p:nvSpPr>
+          <p:cNvPr id="27" name="Rectangle 26"/>
+          <p:cNvSpPr/>
+          <p:nvPr/>
+        </p:nvSpPr>
+        <p:spPr>
+          <a:xfrm>
+            <a:off x="10619574" y="3992748"/>
+            <a:ext cx="1090173" cy="1656023"/>
+          </a:xfrm>
+          <a:prstGeom prst="rect">
+            <a:avLst/>
+          </a:prstGeom>
+        </p:spPr>
+        <p:style>
+          <a:lnRef idx="2">
+            <a:schemeClr val="accent1">
+              <a:shade val="50000"/>
+            </a:schemeClr>
+          </a:lnRef>
+          <a:fillRef idx="1">
+            <a:schemeClr val="accent1"/>
+          </a:fillRef>
+          <a:effectRef idx="0">
+            <a:schemeClr val="accent1"/>
+          </a:effectRef>
+          <a:fontRef idx="minor">
+            <a:schemeClr val="lt1"/>
+          </a:fontRef>
+        </p:style>
+        <p:txBody>
+          <a:bodyPr rtlCol="0" anchor="ctr"/>
+          <a:lstStyle/>
+          <a:p>
+            <a:pPr algn="ctr"/>
+            <a:r>
+              <a:rPr lang="en-US" smtClean="0"/>
+              <a:t>Status</a:t>
+            </a:r>
+            <a:endParaRPr lang="en-US"/>
+          </a:p>
+        </p:txBody>
+      </p:sp>
+      <p:cxnSp>
+        <p:nvCxnSpPr>
+          <p:cNvPr id="29" name="Straight Connector 28"/>
+          <p:cNvCxnSpPr>
+            <a:endCxn id="11" idx="3"/>
+          </p:cNvCxnSpPr>
+          <p:nvPr/>
+        </p:nvCxnSpPr>
+        <p:spPr>
+          <a:xfrm>
+            <a:off x="4688793" y="4537817"/>
+            <a:ext cx="3772969" cy="85457"/>
+          </a:xfrm>
+          <a:prstGeom prst="line">
+            <a:avLst/>
+          </a:prstGeom>
+        </p:spPr>
+        <p:style>
+          <a:lnRef idx="1">
+            <a:schemeClr val="accent1"/>
+          </a:lnRef>
+          <a:fillRef idx="0">
+            <a:schemeClr val="accent1"/>
+          </a:fillRef>
+          <a:effectRef idx="0">
+            <a:schemeClr val="accent1"/>
+          </a:effectRef>
+          <a:fontRef idx="minor">
+            <a:schemeClr val="tx1"/>
+          </a:fontRef>
+        </p:style>
+      </p:cxnSp>
+      <p:cxnSp>
+        <p:nvCxnSpPr>
+          <p:cNvPr id="32" name="Straight Connector 31"/>
+          <p:cNvCxnSpPr>
+            <a:stCxn id="11" idx="1"/>
+            <a:endCxn id="11" idx="3"/>
+          </p:cNvCxnSpPr>
+          <p:nvPr/>
+        </p:nvCxnSpPr>
+        <p:spPr>
+          <a:xfrm>
+            <a:off x="3180461" y="4623274"/>
+            <a:ext cx="5281301" cy="0"/>
+          </a:xfrm>
+          <a:prstGeom prst="line">
+            <a:avLst/>
+          </a:prstGeom>
+          <a:ln>
+            <a:solidFill>
+              <a:schemeClr val="tx1"/>
+            </a:solidFill>
+          </a:ln>
+        </p:spPr>
+        <p:style>
+          <a:lnRef idx="1">
+            <a:schemeClr val="accent1"/>
+          </a:lnRef>
+          <a:fillRef idx="0">
+            <a:schemeClr val="accent1"/>
+          </a:fillRef>
+          <a:effectRef idx="0">
+            <a:schemeClr val="accent1"/>
+          </a:effectRef>
+          <a:fontRef idx="minor">
+            <a:schemeClr val="tx1"/>
+          </a:fontRef>
+        </p:style>
+      </p:cxnSp>
+      <p:sp>
+        <p:nvSpPr>
+          <p:cNvPr id="37" name="TextBox 36"/>
+          <p:cNvSpPr txBox="1"/>
+          <p:nvPr/>
+        </p:nvSpPr>
+        <p:spPr>
+          <a:xfrm>
+            <a:off x="-1" y="1922805"/>
+            <a:ext cx="2867373" cy="3416320"/>
+          </a:xfrm>
+          <a:prstGeom prst="rect">
+            <a:avLst/>
+          </a:prstGeom>
+          <a:noFill/>
+        </p:spPr>
+        <p:txBody>
+          <a:bodyPr wrap="square" rtlCol="0">
+            <a:spAutoFit/>
+          </a:bodyPr>
+          <a:lstStyle/>
+          <a:p>
+            <a:r>
+              <a:rPr lang="en-US" smtClean="0">
+                <a:latin typeface="Times New Roman" panose="02020603050405020304" pitchFamily="18" charset="0"/>
+                <a:cs typeface="Times New Roman" panose="02020603050405020304" pitchFamily="18" charset="0"/>
+              </a:rPr>
+              <a:t>summary: (1)</a:t>
+            </a:r>
+            <a:endParaRPr lang="en-US">
+              <a:latin typeface="Times New Roman" panose="02020603050405020304" pitchFamily="18" charset="0"/>
+              <a:cs typeface="Times New Roman" panose="02020603050405020304" pitchFamily="18" charset="0"/>
+            </a:endParaRPr>
+          </a:p>
+          <a:p>
+            <a:r>
+              <a:rPr lang="en-US" sz="1400" smtClean="0">
+                <a:latin typeface="Times New Roman" panose="02020603050405020304" pitchFamily="18" charset="0"/>
+                <a:cs typeface="Times New Roman" panose="02020603050405020304" pitchFamily="18" charset="0"/>
+              </a:rPr>
+              <a:t>/summary</a:t>
+            </a:r>
+          </a:p>
+          <a:p>
+            <a:endParaRPr lang="en-US" sz="1400" smtClean="0">
+              <a:latin typeface="Times New Roman" panose="02020603050405020304" pitchFamily="18" charset="0"/>
+              <a:cs typeface="Times New Roman" panose="02020603050405020304" pitchFamily="18" charset="0"/>
+            </a:endParaRPr>
+          </a:p>
+          <a:p>
+            <a:r>
+              <a:rPr lang="en-US" smtClean="0">
+                <a:latin typeface="Times New Roman" panose="02020603050405020304" pitchFamily="18" charset="0"/>
+                <a:cs typeface="Times New Roman" panose="02020603050405020304" pitchFamily="18" charset="0"/>
+              </a:rPr>
+              <a:t>statusOverWorld</a:t>
+            </a:r>
+            <a:r>
+              <a:rPr lang="en-US">
+                <a:latin typeface="Times New Roman" panose="02020603050405020304" pitchFamily="18" charset="0"/>
+                <a:cs typeface="Times New Roman" panose="02020603050405020304" pitchFamily="18" charset="0"/>
+                <a:sym typeface="Wingdings" panose="05000000000000000000" pitchFamily="2" charset="2"/>
+              </a:rPr>
+              <a:t> </a:t>
+            </a:r>
+            <a:r>
+              <a:rPr lang="en-US" smtClean="0">
+                <a:latin typeface="Times New Roman" panose="02020603050405020304" pitchFamily="18" charset="0"/>
+                <a:cs typeface="Times New Roman" panose="02020603050405020304" pitchFamily="18" charset="0"/>
+                <a:sym typeface="Wingdings" panose="05000000000000000000" pitchFamily="2" charset="2"/>
+              </a:rPr>
+              <a:t>(2)</a:t>
+            </a:r>
+            <a:endParaRPr lang="en-US">
+              <a:latin typeface="Times New Roman" panose="02020603050405020304" pitchFamily="18" charset="0"/>
+              <a:cs typeface="Times New Roman" panose="02020603050405020304" pitchFamily="18" charset="0"/>
+            </a:endParaRPr>
+          </a:p>
+          <a:p>
+            <a:r>
+              <a:rPr lang="en-US" sz="1400" smtClean="0">
+                <a:latin typeface="Times New Roman" panose="02020603050405020304" pitchFamily="18" charset="0"/>
+                <a:cs typeface="Times New Roman" panose="02020603050405020304" pitchFamily="18" charset="0"/>
+              </a:rPr>
+              <a:t>/world</a:t>
+            </a:r>
+          </a:p>
+          <a:p>
+            <a:endParaRPr lang="en-US" sz="1400" smtClean="0">
+              <a:latin typeface="Times New Roman" panose="02020603050405020304" pitchFamily="18" charset="0"/>
+              <a:cs typeface="Times New Roman" panose="02020603050405020304" pitchFamily="18" charset="0"/>
+            </a:endParaRPr>
+          </a:p>
+          <a:p>
+            <a:r>
+              <a:rPr lang="en-US">
+                <a:latin typeface="Times New Roman" panose="02020603050405020304" pitchFamily="18" charset="0"/>
+                <a:cs typeface="Times New Roman" panose="02020603050405020304" pitchFamily="18" charset="0"/>
+              </a:rPr>
+              <a:t>statusByCountry</a:t>
+            </a:r>
+            <a:r>
+              <a:rPr lang="en-US" smtClean="0">
+                <a:latin typeface="Times New Roman" panose="02020603050405020304" pitchFamily="18" charset="0"/>
+                <a:cs typeface="Times New Roman" panose="02020603050405020304" pitchFamily="18" charset="0"/>
+              </a:rPr>
+              <a:t>: (3)</a:t>
+            </a:r>
+            <a:endParaRPr lang="en-US">
+              <a:latin typeface="Times New Roman" panose="02020603050405020304" pitchFamily="18" charset="0"/>
+              <a:cs typeface="Times New Roman" panose="02020603050405020304" pitchFamily="18" charset="0"/>
+            </a:endParaRPr>
+          </a:p>
+          <a:p>
+            <a:r>
+              <a:rPr lang="en-US" sz="1400" smtClean="0">
+                <a:latin typeface="Times New Roman" panose="02020603050405020304" pitchFamily="18" charset="0"/>
+                <a:cs typeface="Times New Roman" panose="02020603050405020304" pitchFamily="18" charset="0"/>
+              </a:rPr>
+              <a:t>/country/countryID?fromfrom=2021-01-01T00:00:00&amp;to=now</a:t>
+            </a:r>
+          </a:p>
+          <a:p>
+            <a:endParaRPr lang="en-US" sz="1400">
+              <a:latin typeface="Times New Roman" panose="02020603050405020304" pitchFamily="18" charset="0"/>
+              <a:cs typeface="Times New Roman" panose="02020603050405020304" pitchFamily="18" charset="0"/>
+            </a:endParaRPr>
+          </a:p>
+          <a:p>
+            <a:r>
+              <a:rPr lang="en-US" smtClean="0">
+                <a:latin typeface="Times New Roman" panose="02020603050405020304" pitchFamily="18" charset="0"/>
+                <a:cs typeface="Times New Roman" panose="02020603050405020304" pitchFamily="18" charset="0"/>
+              </a:rPr>
+              <a:t>fetchMapDataByCountry(4)</a:t>
+            </a:r>
+            <a:endParaRPr lang="en-US">
+              <a:latin typeface="Times New Roman" panose="02020603050405020304" pitchFamily="18" charset="0"/>
+              <a:cs typeface="Times New Roman" panose="02020603050405020304" pitchFamily="18" charset="0"/>
+            </a:endParaRPr>
+          </a:p>
+          <a:p>
+            <a:endParaRPr lang="en-US" sz="1400" smtClean="0">
+              <a:latin typeface="Times New Roman" panose="02020603050405020304" pitchFamily="18" charset="0"/>
+              <a:cs typeface="Times New Roman" panose="02020603050405020304" pitchFamily="18" charset="0"/>
+            </a:endParaRPr>
+          </a:p>
+          <a:p>
+            <a:r>
+              <a:rPr lang="en-US" smtClean="0">
+                <a:latin typeface="Times New Roman" panose="02020603050405020304" pitchFamily="18" charset="0"/>
+                <a:cs typeface="Times New Roman" panose="02020603050405020304" pitchFamily="18" charset="0"/>
+              </a:rPr>
+              <a:t>fetchMapDataWorld(5)</a:t>
+            </a:r>
+            <a:endParaRPr lang="en-US">
+              <a:latin typeface="Times New Roman" panose="02020603050405020304" pitchFamily="18" charset="0"/>
+              <a:cs typeface="Times New Roman" panose="02020603050405020304" pitchFamily="18" charset="0"/>
+            </a:endParaRPr>
+          </a:p>
+          <a:p>
+            <a:endParaRPr lang="en-US" sz="1400">
+              <a:latin typeface="Times New Roman" panose="02020603050405020304" pitchFamily="18" charset="0"/>
+              <a:cs typeface="Times New Roman" panose="02020603050405020304" pitchFamily="18" charset="0"/>
+            </a:endParaRPr>
+          </a:p>
+        </p:txBody>
+      </p:sp>
+      <p:sp>
+        <p:nvSpPr>
+          <p:cNvPr id="45" name="TextBox 44"/>
+          <p:cNvSpPr txBox="1"/>
+          <p:nvPr/>
+        </p:nvSpPr>
+        <p:spPr>
+          <a:xfrm>
+            <a:off x="2906996" y="3266900"/>
+            <a:ext cx="487110" cy="369332"/>
+          </a:xfrm>
+          <a:prstGeom prst="rect">
+            <a:avLst/>
+          </a:prstGeom>
+          <a:noFill/>
+        </p:spPr>
+        <p:txBody>
+          <a:bodyPr wrap="square" rtlCol="0">
+            <a:spAutoFit/>
+          </a:bodyPr>
+          <a:lstStyle/>
+          <a:p>
+            <a:r>
+              <a:rPr lang="en-US" smtClean="0"/>
+              <a:t>(1)</a:t>
+            </a:r>
+            <a:endParaRPr lang="en-US"/>
+          </a:p>
+        </p:txBody>
+      </p:sp>
+      <p:sp>
+        <p:nvSpPr>
+          <p:cNvPr id="46" name="TextBox 45"/>
+          <p:cNvSpPr txBox="1"/>
+          <p:nvPr/>
+        </p:nvSpPr>
+        <p:spPr>
+          <a:xfrm>
+            <a:off x="8984080" y="2945500"/>
+            <a:ext cx="487110" cy="369332"/>
+          </a:xfrm>
+          <a:prstGeom prst="rect">
+            <a:avLst/>
+          </a:prstGeom>
+          <a:noFill/>
+        </p:spPr>
+        <p:txBody>
+          <a:bodyPr wrap="square" rtlCol="0">
+            <a:spAutoFit/>
+          </a:bodyPr>
+          <a:lstStyle/>
+          <a:p>
+            <a:r>
+              <a:rPr lang="en-US" smtClean="0"/>
+              <a:t>(2)</a:t>
+            </a:r>
+            <a:endParaRPr lang="en-US"/>
+          </a:p>
+        </p:txBody>
+      </p:sp>
+      <p:sp>
+        <p:nvSpPr>
+          <p:cNvPr id="47" name="TextBox 46"/>
+          <p:cNvSpPr txBox="1"/>
+          <p:nvPr/>
+        </p:nvSpPr>
+        <p:spPr>
+          <a:xfrm>
+            <a:off x="11509258" y="2937889"/>
+            <a:ext cx="545087" cy="369332"/>
+          </a:xfrm>
+          <a:prstGeom prst="rect">
+            <a:avLst/>
+          </a:prstGeom>
+          <a:noFill/>
+        </p:spPr>
+        <p:txBody>
+          <a:bodyPr wrap="square" rtlCol="0">
+            <a:spAutoFit/>
+          </a:bodyPr>
+          <a:lstStyle/>
+          <a:p>
+            <a:r>
+              <a:rPr lang="en-US" smtClean="0"/>
+              <a:t>(3)</a:t>
+            </a:r>
+            <a:endParaRPr lang="en-US"/>
+          </a:p>
+        </p:txBody>
+      </p:sp>
+      <p:sp>
+        <p:nvSpPr>
+          <p:cNvPr id="48" name="TextBox 47"/>
+          <p:cNvSpPr txBox="1"/>
+          <p:nvPr/>
+        </p:nvSpPr>
+        <p:spPr>
+          <a:xfrm>
+            <a:off x="6906027" y="3867903"/>
+            <a:ext cx="487110" cy="369332"/>
+          </a:xfrm>
+          <a:prstGeom prst="rect">
+            <a:avLst/>
+          </a:prstGeom>
+          <a:noFill/>
+        </p:spPr>
+        <p:txBody>
+          <a:bodyPr wrap="square" rtlCol="0">
+            <a:spAutoFit/>
+          </a:bodyPr>
+          <a:lstStyle/>
+          <a:p>
+            <a:r>
+              <a:rPr lang="en-US" smtClean="0"/>
+              <a:t>(4)</a:t>
+            </a:r>
+            <a:endParaRPr lang="en-US"/>
+          </a:p>
+        </p:txBody>
+      </p:sp>
+      <p:sp>
+        <p:nvSpPr>
+          <p:cNvPr id="49" name="TextBox 48"/>
+          <p:cNvSpPr txBox="1"/>
+          <p:nvPr/>
+        </p:nvSpPr>
+        <p:spPr>
+          <a:xfrm>
+            <a:off x="7303407" y="3866041"/>
+            <a:ext cx="487110" cy="369332"/>
+          </a:xfrm>
+          <a:prstGeom prst="rect">
+            <a:avLst/>
+          </a:prstGeom>
+          <a:noFill/>
+        </p:spPr>
+        <p:txBody>
+          <a:bodyPr wrap="square" rtlCol="0">
+            <a:spAutoFit/>
+          </a:bodyPr>
+          <a:lstStyle/>
+          <a:p>
+            <a:r>
+              <a:rPr lang="en-US" smtClean="0"/>
+              <a:t>(5)</a:t>
+            </a:r>
+            <a:endParaRPr lang="en-US"/>
+          </a:p>
+        </p:txBody>
+      </p:sp>
+      <p:sp>
+        <p:nvSpPr>
+          <p:cNvPr id="50" name="TextBox 49"/>
+          <p:cNvSpPr txBox="1"/>
+          <p:nvPr/>
+        </p:nvSpPr>
+        <p:spPr>
+          <a:xfrm>
+            <a:off x="6724829" y="4955078"/>
+            <a:ext cx="487110" cy="369332"/>
+          </a:xfrm>
+          <a:prstGeom prst="rect">
+            <a:avLst/>
+          </a:prstGeom>
+          <a:noFill/>
+        </p:spPr>
+        <p:txBody>
+          <a:bodyPr wrap="square" rtlCol="0">
+            <a:spAutoFit/>
+          </a:bodyPr>
+          <a:lstStyle/>
+          <a:p>
+            <a:r>
+              <a:rPr lang="en-US" smtClean="0"/>
+              <a:t>(4)</a:t>
+            </a:r>
+            <a:endParaRPr lang="en-US"/>
+          </a:p>
+        </p:txBody>
+      </p:sp>
+      <p:sp>
+        <p:nvSpPr>
+          <p:cNvPr id="51" name="TextBox 50"/>
+          <p:cNvSpPr txBox="1"/>
+          <p:nvPr/>
+        </p:nvSpPr>
+        <p:spPr>
+          <a:xfrm>
+            <a:off x="7122209" y="4953216"/>
+            <a:ext cx="487110" cy="369332"/>
+          </a:xfrm>
+          <a:prstGeom prst="rect">
+            <a:avLst/>
+          </a:prstGeom>
+          <a:noFill/>
+        </p:spPr>
+        <p:txBody>
+          <a:bodyPr wrap="square" rtlCol="0">
+            <a:spAutoFit/>
+          </a:bodyPr>
+          <a:lstStyle/>
+          <a:p>
+            <a:r>
+              <a:rPr lang="en-US" smtClean="0"/>
+              <a:t>(5)</a:t>
+            </a:r>
+            <a:endParaRPr lang="en-US"/>
+          </a:p>
+        </p:txBody>
+      </p:sp>
+      <p:sp>
+        <p:nvSpPr>
+          <p:cNvPr id="54" name="TextBox 53"/>
+          <p:cNvSpPr txBox="1"/>
+          <p:nvPr/>
+        </p:nvSpPr>
+        <p:spPr>
+          <a:xfrm>
+            <a:off x="9227635" y="3490563"/>
+            <a:ext cx="487110" cy="369332"/>
+          </a:xfrm>
+          <a:prstGeom prst="rect">
+            <a:avLst/>
+          </a:prstGeom>
+          <a:noFill/>
+        </p:spPr>
+        <p:txBody>
+          <a:bodyPr wrap="square" rtlCol="0">
+            <a:spAutoFit/>
+          </a:bodyPr>
+          <a:lstStyle/>
+          <a:p>
+            <a:r>
+              <a:rPr lang="en-US" smtClean="0"/>
+              <a:t>(1)</a:t>
+            </a:r>
+            <a:endParaRPr lang="en-US"/>
+          </a:p>
+        </p:txBody>
+      </p:sp>
+    </p:spTree>
+    <p:extLst>
+      <p:ext uri="{BB962C8B-B14F-4D97-AF65-F5344CB8AC3E}">
+        <p14:creationId xmlns:p14="http://schemas.microsoft.com/office/powerpoint/2010/main" val="694801637"/>
+      </p:ext>
+    </p:extLst>
+  </p:cSld>
+  <p:clrMapOvr>
+    <a:masterClrMapping/>
+  </p:clrMapOvr>
+</p:sld>
+</file>
+
+<file path=ppt/slides/slide5.xml><?xml version="1.0" encoding="utf-8"?>
+<p:sld xmlns:a="http://schemas.openxmlformats.org/drawingml/2006/main" xmlns:r="http://schemas.openxmlformats.org/officeDocument/2006/relationships" xmlns:p="http://schemas.openxmlformats.org/presentationml/2006/main">
+  <p:cSld>
+    <p:spTree>
+      <p:nvGrpSpPr>
+        <p:cNvPr id="1" name=""/>
+        <p:cNvGrpSpPr/>
+        <p:nvPr/>
+      </p:nvGrpSpPr>
+      <p:grpSpPr>
+        <a:xfrm>
+          <a:off x="0" y="0"/>
+          <a:ext cx="0" cy="0"/>
+          <a:chOff x="0" y="0"/>
+          <a:chExt cx="0" cy="0"/>
+        </a:xfrm>
+      </p:grpSpPr>
+      <p:sp>
+        <p:nvSpPr>
+          <p:cNvPr id="2" name="Title 1"/>
+          <p:cNvSpPr>
+            <a:spLocks noGrp="1"/>
+          </p:cNvSpPr>
+          <p:nvPr>
+            <p:ph type="title"/>
+          </p:nvPr>
+        </p:nvSpPr>
+        <p:spPr>
+          <a:xfrm>
+            <a:off x="0" y="0"/>
+            <a:ext cx="8596668" cy="717847"/>
+          </a:xfrm>
+        </p:spPr>
+        <p:txBody>
+          <a:bodyPr/>
+          <a:lstStyle/>
+          <a:p>
+            <a:r>
+              <a:rPr lang="en-US" smtClean="0">
+                <a:latin typeface="Times New Roman" panose="02020603050405020304" pitchFamily="18" charset="0"/>
+                <a:cs typeface="Times New Roman" panose="02020603050405020304" pitchFamily="18" charset="0"/>
+              </a:rPr>
+              <a:t>THƯ VIỆN SỬ DỤNG</a:t>
+            </a:r>
+            <a:endParaRPr lang="en-US">
+              <a:latin typeface="Times New Roman" panose="02020603050405020304" pitchFamily="18" charset="0"/>
+              <a:cs typeface="Times New Roman" panose="02020603050405020304" pitchFamily="18" charset="0"/>
+            </a:endParaRPr>
+          </a:p>
+        </p:txBody>
+      </p:sp>
+      <p:sp>
+        <p:nvSpPr>
+          <p:cNvPr id="4" name="TextBox 3"/>
+          <p:cNvSpPr txBox="1"/>
+          <p:nvPr/>
+        </p:nvSpPr>
+        <p:spPr>
+          <a:xfrm>
+            <a:off x="0" y="1324599"/>
+            <a:ext cx="9682385" cy="1477328"/>
+          </a:xfrm>
+          <a:prstGeom prst="rect">
+            <a:avLst/>
+          </a:prstGeom>
+          <a:noFill/>
+        </p:spPr>
+        <p:txBody>
+          <a:bodyPr wrap="square" rtlCol="0">
+            <a:spAutoFit/>
+          </a:bodyPr>
+          <a:lstStyle/>
+          <a:p>
+            <a:r>
+              <a:rPr lang="en-US" smtClean="0">
+                <a:latin typeface="Times New Roman" panose="02020603050405020304" pitchFamily="18" charset="0"/>
+                <a:cs typeface="Times New Roman" panose="02020603050405020304" pitchFamily="18" charset="0"/>
+              </a:rPr>
+              <a:t>THƯ VIỆN</a:t>
+            </a:r>
+          </a:p>
+          <a:p>
+            <a:r>
+              <a:rPr lang="en-US" smtClean="0">
+                <a:latin typeface="Times New Roman" panose="02020603050405020304" pitchFamily="18" charset="0"/>
+                <a:cs typeface="Times New Roman" panose="02020603050405020304" pitchFamily="18" charset="0"/>
+              </a:rPr>
+              <a:t>Boostrap</a:t>
+            </a:r>
+          </a:p>
+          <a:p>
+            <a:r>
+              <a:rPr lang="en-US" smtClean="0">
+                <a:latin typeface="Times New Roman" panose="02020603050405020304" pitchFamily="18" charset="0"/>
+                <a:cs typeface="Times New Roman" panose="02020603050405020304" pitchFamily="18" charset="0"/>
+              </a:rPr>
+              <a:t>Highchart-map</a:t>
+            </a:r>
+          </a:p>
+          <a:p>
+            <a:r>
+              <a:rPr lang="en-US" smtClean="0">
+                <a:latin typeface="Times New Roman" panose="02020603050405020304" pitchFamily="18" charset="0"/>
+                <a:cs typeface="Times New Roman" panose="02020603050405020304" pitchFamily="18" charset="0"/>
+              </a:rPr>
+              <a:t>Moment</a:t>
+            </a:r>
+          </a:p>
+          <a:p>
+            <a:r>
+              <a:rPr lang="en-US" smtClean="0">
+                <a:latin typeface="Times New Roman" panose="02020603050405020304" pitchFamily="18" charset="0"/>
+                <a:cs typeface="Times New Roman" panose="02020603050405020304" pitchFamily="18" charset="0"/>
+              </a:rPr>
+              <a:t>Axios</a:t>
+            </a:r>
+          </a:p>
+        </p:txBody>
+      </p:sp>
+      <p:sp>
+        <p:nvSpPr>
+          <p:cNvPr id="3" name="TextBox 2"/>
+          <p:cNvSpPr txBox="1"/>
+          <p:nvPr/>
+        </p:nvSpPr>
+        <p:spPr>
+          <a:xfrm>
+            <a:off x="0" y="2801927"/>
+            <a:ext cx="6947731" cy="1200329"/>
+          </a:xfrm>
+          <a:prstGeom prst="rect">
+            <a:avLst/>
+          </a:prstGeom>
+          <a:noFill/>
+        </p:spPr>
+        <p:txBody>
+          <a:bodyPr wrap="square" rtlCol="0">
+            <a:spAutoFit/>
+          </a:bodyPr>
+          <a:lstStyle/>
+          <a:p>
+            <a:r>
+              <a:rPr lang="en-US" smtClean="0">
+                <a:latin typeface="Times New Roman" panose="02020603050405020304" pitchFamily="18" charset="0"/>
+                <a:cs typeface="Times New Roman" panose="02020603050405020304" pitchFamily="18" charset="0"/>
+              </a:rPr>
+              <a:t>CÔNG NGHỆ</a:t>
+            </a:r>
+          </a:p>
+          <a:p>
+            <a:r>
+              <a:rPr lang="en-US" smtClean="0">
+                <a:latin typeface="Times New Roman" panose="02020603050405020304" pitchFamily="18" charset="0"/>
+                <a:cs typeface="Times New Roman" panose="02020603050405020304" pitchFamily="18" charset="0"/>
+              </a:rPr>
+              <a:t>GitHub</a:t>
+            </a:r>
+          </a:p>
+          <a:p>
+            <a:r>
+              <a:rPr lang="en-US" smtClean="0">
+                <a:latin typeface="Times New Roman" panose="02020603050405020304" pitchFamily="18" charset="0"/>
+                <a:cs typeface="Times New Roman" panose="02020603050405020304" pitchFamily="18" charset="0"/>
+              </a:rPr>
+              <a:t>ReactJs</a:t>
+            </a:r>
+          </a:p>
+          <a:p>
+            <a:r>
+              <a:rPr lang="en-US" smtClean="0">
+                <a:latin typeface="Times New Roman" panose="02020603050405020304" pitchFamily="18" charset="0"/>
+                <a:cs typeface="Times New Roman" panose="02020603050405020304" pitchFamily="18" charset="0"/>
+              </a:rPr>
+              <a:t>Netlify</a:t>
+            </a:r>
+            <a:endParaRPr lang="en-US">
+              <a:latin typeface="Times New Roman" panose="02020603050405020304" pitchFamily="18" charset="0"/>
+              <a:cs typeface="Times New Roman" panose="02020603050405020304" pitchFamily="18" charset="0"/>
+            </a:endParaRPr>
+          </a:p>
+        </p:txBody>
+      </p:sp>
+    </p:spTree>
+    <p:extLst>
+      <p:ext uri="{BB962C8B-B14F-4D97-AF65-F5344CB8AC3E}">
+        <p14:creationId xmlns:p14="http://schemas.microsoft.com/office/powerpoint/2010/main" val="122067244"/>
       </p:ext>
     </p:extLst>
   </p:cSld>

--- a/COVID-19 TRACKER.pptx
+++ b/COVID-19 TRACKER.pptx
@@ -6142,28 +6142,7 @@
                 <a:latin typeface="Times New Roman" panose="02020603050405020304" pitchFamily="18" charset="0"/>
                 <a:cs typeface="Times New Roman" panose="02020603050405020304" pitchFamily="18" charset="0"/>
               </a:rPr>
-              <a:t>Vấn đề đang được quan tâm </a:t>
-            </a:r>
-            <a:r>
-              <a:rPr lang="en-US" smtClean="0">
-                <a:latin typeface="Times New Roman" panose="02020603050405020304" pitchFamily="18" charset="0"/>
-                <a:cs typeface="Times New Roman" panose="02020603050405020304" pitchFamily="18" charset="0"/>
-              </a:rPr>
-              <a:t>hàng </a:t>
-            </a:r>
-            <a:r>
-              <a:rPr lang="en-US" smtClean="0">
-                <a:latin typeface="Times New Roman" panose="02020603050405020304" pitchFamily="18" charset="0"/>
-                <a:cs typeface="Times New Roman" panose="02020603050405020304" pitchFamily="18" charset="0"/>
-              </a:rPr>
-              <a:t>đầu hiện </a:t>
-            </a:r>
-            <a:r>
-              <a:rPr lang="en-US" smtClean="0">
-                <a:latin typeface="Times New Roman" panose="02020603050405020304" pitchFamily="18" charset="0"/>
-                <a:cs typeface="Times New Roman" panose="02020603050405020304" pitchFamily="18" charset="0"/>
-              </a:rPr>
-              <a:t>nay</a:t>
+              <a:t>Vấn đề đang được quan tâm hàng đầu hiện nay</a:t>
             </a:r>
           </a:p>
           <a:p>
@@ -6207,10 +6186,6 @@
               </a:rPr>
               <a:t>Dễ dàng tra cứu tình hình covid-19 tổng quan trên thế giới và trong nước</a:t>
             </a:r>
-            <a:endParaRPr lang="en-US" smtClean="0">
-              <a:latin typeface="Times New Roman" panose="02020603050405020304" pitchFamily="18" charset="0"/>
-              <a:cs typeface="Times New Roman" panose="02020603050405020304" pitchFamily="18" charset="0"/>
-            </a:endParaRPr>
           </a:p>
         </p:txBody>
       </p:sp>
@@ -6269,14 +6244,7 @@
                 <a:latin typeface="Times New Roman" panose="02020603050405020304" pitchFamily="18" charset="0"/>
                 <a:cs typeface="Times New Roman" panose="02020603050405020304" pitchFamily="18" charset="0"/>
               </a:rPr>
-              <a:t>QUÁ TRÌNH THỰC </a:t>
-            </a:r>
-            <a:r>
-              <a:rPr lang="en-US" smtClean="0">
-                <a:latin typeface="Times New Roman" panose="02020603050405020304" pitchFamily="18" charset="0"/>
-                <a:cs typeface="Times New Roman" panose="02020603050405020304" pitchFamily="18" charset="0"/>
-              </a:rPr>
-              <a:t>HIỆN ĐỀ TÀI</a:t>
+              <a:t>QUÁ TRÌNH THỰC HIỆN ĐỀ TÀI</a:t>
             </a:r>
             <a:endParaRPr lang="en-US">
               <a:latin typeface="Times New Roman" panose="02020603050405020304" pitchFamily="18" charset="0"/>
@@ -7163,14 +7131,7 @@
                 <a:latin typeface="Times New Roman" panose="02020603050405020304" pitchFamily="18" charset="0"/>
                 <a:cs typeface="Times New Roman" panose="02020603050405020304" pitchFamily="18" charset="0"/>
               </a:rPr>
-              <a:t>QUÁ TRÌNH THỰC </a:t>
-            </a:r>
-            <a:r>
-              <a:rPr lang="en-US" smtClean="0">
-                <a:latin typeface="Times New Roman" panose="02020603050405020304" pitchFamily="18" charset="0"/>
-                <a:cs typeface="Times New Roman" panose="02020603050405020304" pitchFamily="18" charset="0"/>
-              </a:rPr>
-              <a:t>HIỆN ĐỀ TÀI</a:t>
+              <a:t>QUÁ TRÌNH THỰC HIỆN ĐỀ TÀI</a:t>
             </a:r>
             <a:endParaRPr lang="en-US">
               <a:latin typeface="Times New Roman" panose="02020603050405020304" pitchFamily="18" charset="0"/>
@@ -7871,7 +7832,7 @@
         <p:spPr>
           <a:xfrm>
             <a:off x="-1" y="1922805"/>
-            <a:ext cx="2867373" cy="3416320"/>
+            <a:ext cx="2867373" cy="2554545"/>
           </a:xfrm>
           <a:prstGeom prst="rect">
             <a:avLst/>
@@ -7891,19 +7852,6 @@
               </a:rPr>
               <a:t>summary: (1)</a:t>
             </a:r>
-            <a:endParaRPr lang="en-US">
-              <a:latin typeface="Times New Roman" panose="02020603050405020304" pitchFamily="18" charset="0"/>
-              <a:cs typeface="Times New Roman" panose="02020603050405020304" pitchFamily="18" charset="0"/>
-            </a:endParaRPr>
-          </a:p>
-          <a:p>
-            <a:r>
-              <a:rPr lang="en-US" sz="1400" smtClean="0">
-                <a:latin typeface="Times New Roman" panose="02020603050405020304" pitchFamily="18" charset="0"/>
-                <a:cs typeface="Times New Roman" panose="02020603050405020304" pitchFamily="18" charset="0"/>
-              </a:rPr>
-              <a:t>/summary</a:t>
-            </a:r>
           </a:p>
           <a:p>
             <a:endParaRPr lang="en-US" sz="1400" smtClean="0">
@@ -7917,15 +7865,7 @@
                 <a:latin typeface="Times New Roman" panose="02020603050405020304" pitchFamily="18" charset="0"/>
                 <a:cs typeface="Times New Roman" panose="02020603050405020304" pitchFamily="18" charset="0"/>
               </a:rPr>
-              <a:t>statusOverWorld</a:t>
-            </a:r>
-            <a:r>
-              <a:rPr lang="en-US">
-                <a:latin typeface="Times New Roman" panose="02020603050405020304" pitchFamily="18" charset="0"/>
-                <a:cs typeface="Times New Roman" panose="02020603050405020304" pitchFamily="18" charset="0"/>
-                <a:sym typeface="Wingdings" panose="05000000000000000000" pitchFamily="2" charset="2"/>
-              </a:rPr>
-              <a:t> </a:t>
+              <a:t>statusOverWorld:</a:t>
             </a:r>
             <a:r>
               <a:rPr lang="en-US" smtClean="0">
@@ -7933,21 +7873,12 @@
                 <a:cs typeface="Times New Roman" panose="02020603050405020304" pitchFamily="18" charset="0"/>
                 <a:sym typeface="Wingdings" panose="05000000000000000000" pitchFamily="2" charset="2"/>
               </a:rPr>
-              <a:t>(2)</a:t>
-            </a:r>
-            <a:endParaRPr lang="en-US">
+              <a:t> (2)</a:t>
+            </a:r>
+            <a:endParaRPr lang="en-US" smtClean="0">
               <a:latin typeface="Times New Roman" panose="02020603050405020304" pitchFamily="18" charset="0"/>
               <a:cs typeface="Times New Roman" panose="02020603050405020304" pitchFamily="18" charset="0"/>
             </a:endParaRPr>
-          </a:p>
-          <a:p>
-            <a:r>
-              <a:rPr lang="en-US" sz="1400" smtClean="0">
-                <a:latin typeface="Times New Roman" panose="02020603050405020304" pitchFamily="18" charset="0"/>
-                <a:cs typeface="Times New Roman" panose="02020603050405020304" pitchFamily="18" charset="0"/>
-              </a:rPr>
-              <a:t>/world</a:t>
-            </a:r>
           </a:p>
           <a:p>
             <a:endParaRPr lang="en-US" sz="1400" smtClean="0">
@@ -7957,35 +7888,37 @@
           </a:p>
           <a:p>
             <a:r>
+              <a:rPr lang="en-US" smtClean="0">
+                <a:latin typeface="Times New Roman" panose="02020603050405020304" pitchFamily="18" charset="0"/>
+                <a:cs typeface="Times New Roman" panose="02020603050405020304" pitchFamily="18" charset="0"/>
+              </a:rPr>
+              <a:t>statusByCountry: (3)</a:t>
+            </a:r>
+          </a:p>
+          <a:p>
+            <a:endParaRPr lang="en-US" sz="1400" smtClean="0">
+              <a:latin typeface="Times New Roman" panose="02020603050405020304" pitchFamily="18" charset="0"/>
+              <a:cs typeface="Times New Roman" panose="02020603050405020304" pitchFamily="18" charset="0"/>
+            </a:endParaRPr>
+          </a:p>
+          <a:p>
+            <a:r>
               <a:rPr lang="en-US">
                 <a:latin typeface="Times New Roman" panose="02020603050405020304" pitchFamily="18" charset="0"/>
                 <a:cs typeface="Times New Roman" panose="02020603050405020304" pitchFamily="18" charset="0"/>
               </a:rPr>
-              <a:t>statusByCountry</a:t>
+              <a:t>m</a:t>
             </a:r>
             <a:r>
               <a:rPr lang="en-US" smtClean="0">
                 <a:latin typeface="Times New Roman" panose="02020603050405020304" pitchFamily="18" charset="0"/>
                 <a:cs typeface="Times New Roman" panose="02020603050405020304" pitchFamily="18" charset="0"/>
               </a:rPr>
-              <a:t>: (3)</a:t>
-            </a:r>
-            <a:endParaRPr lang="en-US">
-              <a:latin typeface="Times New Roman" panose="02020603050405020304" pitchFamily="18" charset="0"/>
-              <a:cs typeface="Times New Roman" panose="02020603050405020304" pitchFamily="18" charset="0"/>
-            </a:endParaRPr>
-          </a:p>
-          <a:p>
-            <a:r>
-              <a:rPr lang="en-US" sz="1400" smtClean="0">
-                <a:latin typeface="Times New Roman" panose="02020603050405020304" pitchFamily="18" charset="0"/>
-                <a:cs typeface="Times New Roman" panose="02020603050405020304" pitchFamily="18" charset="0"/>
-              </a:rPr>
-              <a:t>/country/countryID?fromfrom=2021-01-01T00:00:00&amp;to=now</a:t>
-            </a:r>
-          </a:p>
-          <a:p>
-            <a:endParaRPr lang="en-US" sz="1400">
+              <a:t>apDataCountry: (4)</a:t>
+            </a:r>
+          </a:p>
+          <a:p>
+            <a:endParaRPr lang="en-US" sz="1400" smtClean="0">
               <a:latin typeface="Times New Roman" panose="02020603050405020304" pitchFamily="18" charset="0"/>
               <a:cs typeface="Times New Roman" panose="02020603050405020304" pitchFamily="18" charset="0"/>
             </a:endParaRPr>
@@ -7996,31 +7929,15 @@
                 <a:latin typeface="Times New Roman" panose="02020603050405020304" pitchFamily="18" charset="0"/>
                 <a:cs typeface="Times New Roman" panose="02020603050405020304" pitchFamily="18" charset="0"/>
               </a:rPr>
-              <a:t>fetchMapDataByCountry(4)</a:t>
-            </a:r>
-            <a:endParaRPr lang="en-US">
-              <a:latin typeface="Times New Roman" panose="02020603050405020304" pitchFamily="18" charset="0"/>
-              <a:cs typeface="Times New Roman" panose="02020603050405020304" pitchFamily="18" charset="0"/>
-            </a:endParaRPr>
-          </a:p>
-          <a:p>
-            <a:endParaRPr lang="en-US" sz="1400" smtClean="0">
-              <a:latin typeface="Times New Roman" panose="02020603050405020304" pitchFamily="18" charset="0"/>
-              <a:cs typeface="Times New Roman" panose="02020603050405020304" pitchFamily="18" charset="0"/>
-            </a:endParaRPr>
-          </a:p>
-          <a:p>
+              <a:t>m</a:t>
+            </a:r>
             <a:r>
               <a:rPr lang="en-US" smtClean="0">
                 <a:latin typeface="Times New Roman" panose="02020603050405020304" pitchFamily="18" charset="0"/>
                 <a:cs typeface="Times New Roman" panose="02020603050405020304" pitchFamily="18" charset="0"/>
               </a:rPr>
-              <a:t>fetchMapDataWorld(5)</a:t>
-            </a:r>
-            <a:endParaRPr lang="en-US">
-              <a:latin typeface="Times New Roman" panose="02020603050405020304" pitchFamily="18" charset="0"/>
-              <a:cs typeface="Times New Roman" panose="02020603050405020304" pitchFamily="18" charset="0"/>
-            </a:endParaRPr>
+              <a:t>apDataWorld: (5)</a:t>
+            </a:r>
           </a:p>
           <a:p>
             <a:endParaRPr lang="en-US" sz="1400">
